--- a/奇異恩典(生命聖詩).pptx
+++ b/奇異恩典(生命聖詩).pptx
@@ -5,12 +5,17 @@
     <p:sldMasterId id="2147483672" r:id="rId1"/>
   </p:sldMasterIdLst>
   <p:sldIdLst>
-    <p:sldId id="256" r:id="rId2"/>
-    <p:sldId id="257" r:id="rId3"/>
-    <p:sldId id="258" r:id="rId4"/>
-    <p:sldId id="259" r:id="rId5"/>
+    <p:sldId id="353" r:id="rId2"/>
+    <p:sldId id="390" r:id="rId3"/>
+    <p:sldId id="510" r:id="rId4"/>
+    <p:sldId id="511" r:id="rId5"/>
+    <p:sldId id="512" r:id="rId6"/>
+    <p:sldId id="513" r:id="rId7"/>
+    <p:sldId id="514" r:id="rId8"/>
+    <p:sldId id="515" r:id="rId9"/>
+    <p:sldId id="516" r:id="rId10"/>
   </p:sldIdLst>
-  <p:sldSz cx="9144000" cy="6858000" type="screen4x3"/>
+  <p:sldSz cx="12192000" cy="6858000"/>
   <p:notesSz cx="6858000" cy="9144000"/>
   <p:defaultTextStyle>
     <a:defPPr>
@@ -107,6 +112,22 @@
       </a:defRPr>
     </a:lvl9pPr>
   </p:defaultTextStyle>
+  <p:extLst>
+    <p:ext uri="{EFAFB233-063F-42B5-8137-9DF3F51BA10A}">
+      <p15:sldGuideLst xmlns:p15="http://schemas.microsoft.com/office/powerpoint/2012/main">
+        <p15:guide id="1" orient="horz" pos="2160" userDrawn="1">
+          <p15:clr>
+            <a:srgbClr val="A4A3A4"/>
+          </p15:clr>
+        </p15:guide>
+        <p15:guide id="2" pos="3840" userDrawn="1">
+          <p15:clr>
+            <a:srgbClr val="A4A3A4"/>
+          </p15:clr>
+        </p15:guide>
+      </p15:sldGuideLst>
+    </p:ext>
+  </p:extLst>
 </p:presentation>
 </file>
 
@@ -139,8 +160,8 @@
         </p:nvSpPr>
         <p:spPr>
           <a:xfrm>
-            <a:off x="685800" y="2130425"/>
-            <a:ext cx="7772400" cy="1470025"/>
+            <a:off x="914400" y="2130426"/>
+            <a:ext cx="10363200" cy="1470025"/>
           </a:xfrm>
         </p:spPr>
         <p:txBody>
@@ -148,10 +169,9 @@
           <a:lstStyle/>
           <a:p>
             <a:r>
-              <a:rPr lang="zh-TW" altLang="en-US" smtClean="0"/>
+              <a:rPr lang="zh-TW" altLang="en-US"/>
               <a:t>按一下以編輯母片標題樣式</a:t>
             </a:r>
-            <a:endParaRPr lang="zh-TW" altLang="en-US"/>
           </a:p>
         </p:txBody>
       </p:sp>
@@ -167,8 +187,8 @@
         </p:nvSpPr>
         <p:spPr>
           <a:xfrm>
-            <a:off x="1371600" y="3886200"/>
-            <a:ext cx="6400800" cy="1752600"/>
+            <a:off x="1828800" y="3886200"/>
+            <a:ext cx="8534400" cy="1752600"/>
           </a:xfrm>
         </p:spPr>
         <p:txBody>
@@ -267,10 +287,9 @@
           </a:lstStyle>
           <a:p>
             <a:r>
-              <a:rPr lang="zh-TW" altLang="en-US" smtClean="0"/>
+              <a:rPr lang="zh-TW" altLang="en-US"/>
               <a:t>按一下以編輯母片副標題樣式</a:t>
             </a:r>
-            <a:endParaRPr lang="zh-TW" altLang="en-US"/>
           </a:p>
         </p:txBody>
       </p:sp>
@@ -292,7 +311,7 @@
             <a:fld id="{9C76BF17-F1D8-4FFE-9DB0-D2CB506767F4}" type="datetimeFigureOut">
               <a:rPr lang="zh-TW" altLang="en-US" smtClean="0"/>
               <a:pPr/>
-              <a:t>2018/6/23</a:t>
+              <a:t>2024/1/26</a:t>
             </a:fld>
             <a:endParaRPr lang="zh-TW" altLang="en-US"/>
           </a:p>
@@ -382,10 +401,9 @@
           <a:lstStyle/>
           <a:p>
             <a:r>
-              <a:rPr lang="zh-TW" altLang="en-US" smtClean="0"/>
+              <a:rPr lang="zh-TW" altLang="en-US"/>
               <a:t>按一下以編輯母片標題樣式</a:t>
             </a:r>
-            <a:endParaRPr lang="zh-TW" altLang="en-US"/>
           </a:p>
         </p:txBody>
       </p:sp>
@@ -406,38 +424,37 @@
           <a:p>
             <a:pPr lvl="0"/>
             <a:r>
-              <a:rPr lang="zh-TW" altLang="en-US" smtClean="0"/>
+              <a:rPr lang="zh-TW" altLang="en-US"/>
               <a:t>按一下以編輯母片文字樣式</a:t>
             </a:r>
           </a:p>
           <a:p>
             <a:pPr lvl="1"/>
             <a:r>
-              <a:rPr lang="zh-TW" altLang="en-US" smtClean="0"/>
+              <a:rPr lang="zh-TW" altLang="en-US"/>
               <a:t>第二層</a:t>
             </a:r>
           </a:p>
           <a:p>
             <a:pPr lvl="2"/>
             <a:r>
-              <a:rPr lang="zh-TW" altLang="en-US" smtClean="0"/>
+              <a:rPr lang="zh-TW" altLang="en-US"/>
               <a:t>第三層</a:t>
             </a:r>
           </a:p>
           <a:p>
             <a:pPr lvl="3"/>
             <a:r>
-              <a:rPr lang="zh-TW" altLang="en-US" smtClean="0"/>
+              <a:rPr lang="zh-TW" altLang="en-US"/>
               <a:t>第四層</a:t>
             </a:r>
           </a:p>
           <a:p>
             <a:pPr lvl="4"/>
             <a:r>
-              <a:rPr lang="zh-TW" altLang="en-US" smtClean="0"/>
+              <a:rPr lang="zh-TW" altLang="en-US"/>
               <a:t>第五層</a:t>
             </a:r>
-            <a:endParaRPr lang="zh-TW" altLang="en-US"/>
           </a:p>
         </p:txBody>
       </p:sp>
@@ -459,7 +476,7 @@
             <a:fld id="{9C76BF17-F1D8-4FFE-9DB0-D2CB506767F4}" type="datetimeFigureOut">
               <a:rPr lang="zh-TW" altLang="en-US" smtClean="0"/>
               <a:pPr/>
-              <a:t>2018/6/23</a:t>
+              <a:t>2024/1/26</a:t>
             </a:fld>
             <a:endParaRPr lang="zh-TW" altLang="en-US"/>
           </a:p>
@@ -545,8 +562,8 @@
         </p:nvSpPr>
         <p:spPr>
           <a:xfrm>
-            <a:off x="6629400" y="274638"/>
-            <a:ext cx="2057400" cy="5851525"/>
+            <a:off x="8839200" y="274639"/>
+            <a:ext cx="2743200" cy="5851525"/>
           </a:xfrm>
         </p:spPr>
         <p:txBody>
@@ -554,10 +571,9 @@
           <a:lstStyle/>
           <a:p>
             <a:r>
-              <a:rPr lang="zh-TW" altLang="en-US" smtClean="0"/>
+              <a:rPr lang="zh-TW" altLang="en-US"/>
               <a:t>按一下以編輯母片標題樣式</a:t>
             </a:r>
-            <a:endParaRPr lang="zh-TW" altLang="en-US"/>
           </a:p>
         </p:txBody>
       </p:sp>
@@ -573,8 +589,8 @@
         </p:nvSpPr>
         <p:spPr>
           <a:xfrm>
-            <a:off x="457200" y="274638"/>
-            <a:ext cx="6019800" cy="5851525"/>
+            <a:off x="609600" y="274639"/>
+            <a:ext cx="8026400" cy="5851525"/>
           </a:xfrm>
         </p:spPr>
         <p:txBody>
@@ -583,38 +599,37 @@
           <a:p>
             <a:pPr lvl="0"/>
             <a:r>
-              <a:rPr lang="zh-TW" altLang="en-US" smtClean="0"/>
+              <a:rPr lang="zh-TW" altLang="en-US"/>
               <a:t>按一下以編輯母片文字樣式</a:t>
             </a:r>
           </a:p>
           <a:p>
             <a:pPr lvl="1"/>
             <a:r>
-              <a:rPr lang="zh-TW" altLang="en-US" smtClean="0"/>
+              <a:rPr lang="zh-TW" altLang="en-US"/>
               <a:t>第二層</a:t>
             </a:r>
           </a:p>
           <a:p>
             <a:pPr lvl="2"/>
             <a:r>
-              <a:rPr lang="zh-TW" altLang="en-US" smtClean="0"/>
+              <a:rPr lang="zh-TW" altLang="en-US"/>
               <a:t>第三層</a:t>
             </a:r>
           </a:p>
           <a:p>
             <a:pPr lvl="3"/>
             <a:r>
-              <a:rPr lang="zh-TW" altLang="en-US" smtClean="0"/>
+              <a:rPr lang="zh-TW" altLang="en-US"/>
               <a:t>第四層</a:t>
             </a:r>
           </a:p>
           <a:p>
             <a:pPr lvl="4"/>
             <a:r>
-              <a:rPr lang="zh-TW" altLang="en-US" smtClean="0"/>
+              <a:rPr lang="zh-TW" altLang="en-US"/>
               <a:t>第五層</a:t>
             </a:r>
-            <a:endParaRPr lang="zh-TW" altLang="en-US"/>
           </a:p>
         </p:txBody>
       </p:sp>
@@ -636,7 +651,7 @@
             <a:fld id="{9C76BF17-F1D8-4FFE-9DB0-D2CB506767F4}" type="datetimeFigureOut">
               <a:rPr lang="zh-TW" altLang="en-US" smtClean="0"/>
               <a:pPr/>
-              <a:t>2018/6/23</a:t>
+              <a:t>2024/1/26</a:t>
             </a:fld>
             <a:endParaRPr lang="zh-TW" altLang="en-US"/>
           </a:p>
@@ -726,10 +741,9 @@
           <a:lstStyle/>
           <a:p>
             <a:r>
-              <a:rPr lang="zh-TW" altLang="en-US" smtClean="0"/>
+              <a:rPr lang="zh-TW" altLang="en-US"/>
               <a:t>按一下以編輯母片標題樣式</a:t>
             </a:r>
-            <a:endParaRPr lang="zh-TW" altLang="en-US"/>
           </a:p>
         </p:txBody>
       </p:sp>
@@ -750,38 +764,37 @@
           <a:p>
             <a:pPr lvl="0"/>
             <a:r>
-              <a:rPr lang="zh-TW" altLang="en-US" smtClean="0"/>
+              <a:rPr lang="zh-TW" altLang="en-US"/>
               <a:t>按一下以編輯母片文字樣式</a:t>
             </a:r>
           </a:p>
           <a:p>
             <a:pPr lvl="1"/>
             <a:r>
-              <a:rPr lang="zh-TW" altLang="en-US" smtClean="0"/>
+              <a:rPr lang="zh-TW" altLang="en-US"/>
               <a:t>第二層</a:t>
             </a:r>
           </a:p>
           <a:p>
             <a:pPr lvl="2"/>
             <a:r>
-              <a:rPr lang="zh-TW" altLang="en-US" smtClean="0"/>
+              <a:rPr lang="zh-TW" altLang="en-US"/>
               <a:t>第三層</a:t>
             </a:r>
           </a:p>
           <a:p>
             <a:pPr lvl="3"/>
             <a:r>
-              <a:rPr lang="zh-TW" altLang="en-US" smtClean="0"/>
+              <a:rPr lang="zh-TW" altLang="en-US"/>
               <a:t>第四層</a:t>
             </a:r>
           </a:p>
           <a:p>
             <a:pPr lvl="4"/>
             <a:r>
-              <a:rPr lang="zh-TW" altLang="en-US" smtClean="0"/>
+              <a:rPr lang="zh-TW" altLang="en-US"/>
               <a:t>第五層</a:t>
             </a:r>
-            <a:endParaRPr lang="zh-TW" altLang="en-US"/>
           </a:p>
         </p:txBody>
       </p:sp>
@@ -803,7 +816,7 @@
             <a:fld id="{9C76BF17-F1D8-4FFE-9DB0-D2CB506767F4}" type="datetimeFigureOut">
               <a:rPr lang="zh-TW" altLang="en-US" smtClean="0"/>
               <a:pPr/>
-              <a:t>2018/6/23</a:t>
+              <a:t>2024/1/26</a:t>
             </a:fld>
             <a:endParaRPr lang="zh-TW" altLang="en-US"/>
           </a:p>
@@ -889,8 +902,8 @@
         </p:nvSpPr>
         <p:spPr>
           <a:xfrm>
-            <a:off x="722313" y="4406900"/>
-            <a:ext cx="7772400" cy="1362075"/>
+            <a:off x="963084" y="4406901"/>
+            <a:ext cx="10363200" cy="1362075"/>
           </a:xfrm>
         </p:spPr>
         <p:txBody>
@@ -902,10 +915,9 @@
           </a:lstStyle>
           <a:p>
             <a:r>
-              <a:rPr lang="zh-TW" altLang="en-US" smtClean="0"/>
+              <a:rPr lang="zh-TW" altLang="en-US"/>
               <a:t>按一下以編輯母片標題樣式</a:t>
             </a:r>
-            <a:endParaRPr lang="zh-TW" altLang="en-US"/>
           </a:p>
         </p:txBody>
       </p:sp>
@@ -921,8 +933,8 @@
         </p:nvSpPr>
         <p:spPr>
           <a:xfrm>
-            <a:off x="722313" y="2906713"/>
-            <a:ext cx="7772400" cy="1500187"/>
+            <a:off x="963084" y="2906713"/>
+            <a:ext cx="10363200" cy="1500187"/>
           </a:xfrm>
         </p:spPr>
         <p:txBody>
@@ -1022,7 +1034,7 @@
           <a:p>
             <a:pPr lvl="0"/>
             <a:r>
-              <a:rPr lang="zh-TW" altLang="en-US" smtClean="0"/>
+              <a:rPr lang="zh-TW" altLang="en-US"/>
               <a:t>按一下以編輯母片文字樣式</a:t>
             </a:r>
           </a:p>
@@ -1046,7 +1058,7 @@
             <a:fld id="{9C76BF17-F1D8-4FFE-9DB0-D2CB506767F4}" type="datetimeFigureOut">
               <a:rPr lang="zh-TW" altLang="en-US" smtClean="0"/>
               <a:pPr/>
-              <a:t>2018/6/23</a:t>
+              <a:t>2024/1/26</a:t>
             </a:fld>
             <a:endParaRPr lang="zh-TW" altLang="en-US"/>
           </a:p>
@@ -1136,10 +1148,9 @@
           <a:lstStyle/>
           <a:p>
             <a:r>
-              <a:rPr lang="zh-TW" altLang="en-US" smtClean="0"/>
+              <a:rPr lang="zh-TW" altLang="en-US"/>
               <a:t>按一下以編輯母片標題樣式</a:t>
             </a:r>
-            <a:endParaRPr lang="zh-TW" altLang="en-US"/>
           </a:p>
         </p:txBody>
       </p:sp>
@@ -1155,8 +1166,8 @@
         </p:nvSpPr>
         <p:spPr>
           <a:xfrm>
-            <a:off x="457200" y="1600200"/>
-            <a:ext cx="4038600" cy="4525963"/>
+            <a:off x="609600" y="1600201"/>
+            <a:ext cx="5384800" cy="4525963"/>
           </a:xfrm>
         </p:spPr>
         <p:txBody>
@@ -1193,38 +1204,37 @@
           <a:p>
             <a:pPr lvl="0"/>
             <a:r>
-              <a:rPr lang="zh-TW" altLang="en-US" smtClean="0"/>
+              <a:rPr lang="zh-TW" altLang="en-US"/>
               <a:t>按一下以編輯母片文字樣式</a:t>
             </a:r>
           </a:p>
           <a:p>
             <a:pPr lvl="1"/>
             <a:r>
-              <a:rPr lang="zh-TW" altLang="en-US" smtClean="0"/>
+              <a:rPr lang="zh-TW" altLang="en-US"/>
               <a:t>第二層</a:t>
             </a:r>
           </a:p>
           <a:p>
             <a:pPr lvl="2"/>
             <a:r>
-              <a:rPr lang="zh-TW" altLang="en-US" smtClean="0"/>
+              <a:rPr lang="zh-TW" altLang="en-US"/>
               <a:t>第三層</a:t>
             </a:r>
           </a:p>
           <a:p>
             <a:pPr lvl="3"/>
             <a:r>
-              <a:rPr lang="zh-TW" altLang="en-US" smtClean="0"/>
+              <a:rPr lang="zh-TW" altLang="en-US"/>
               <a:t>第四層</a:t>
             </a:r>
           </a:p>
           <a:p>
             <a:pPr lvl="4"/>
             <a:r>
-              <a:rPr lang="zh-TW" altLang="en-US" smtClean="0"/>
+              <a:rPr lang="zh-TW" altLang="en-US"/>
               <a:t>第五層</a:t>
             </a:r>
-            <a:endParaRPr lang="zh-TW" altLang="en-US"/>
           </a:p>
         </p:txBody>
       </p:sp>
@@ -1240,8 +1250,8 @@
         </p:nvSpPr>
         <p:spPr>
           <a:xfrm>
-            <a:off x="4648200" y="1600200"/>
-            <a:ext cx="4038600" cy="4525963"/>
+            <a:off x="6197600" y="1600201"/>
+            <a:ext cx="5384800" cy="4525963"/>
           </a:xfrm>
         </p:spPr>
         <p:txBody>
@@ -1278,38 +1288,37 @@
           <a:p>
             <a:pPr lvl="0"/>
             <a:r>
-              <a:rPr lang="zh-TW" altLang="en-US" smtClean="0"/>
+              <a:rPr lang="zh-TW" altLang="en-US"/>
               <a:t>按一下以編輯母片文字樣式</a:t>
             </a:r>
           </a:p>
           <a:p>
             <a:pPr lvl="1"/>
             <a:r>
-              <a:rPr lang="zh-TW" altLang="en-US" smtClean="0"/>
+              <a:rPr lang="zh-TW" altLang="en-US"/>
               <a:t>第二層</a:t>
             </a:r>
           </a:p>
           <a:p>
             <a:pPr lvl="2"/>
             <a:r>
-              <a:rPr lang="zh-TW" altLang="en-US" smtClean="0"/>
+              <a:rPr lang="zh-TW" altLang="en-US"/>
               <a:t>第三層</a:t>
             </a:r>
           </a:p>
           <a:p>
             <a:pPr lvl="3"/>
             <a:r>
-              <a:rPr lang="zh-TW" altLang="en-US" smtClean="0"/>
+              <a:rPr lang="zh-TW" altLang="en-US"/>
               <a:t>第四層</a:t>
             </a:r>
           </a:p>
           <a:p>
             <a:pPr lvl="4"/>
             <a:r>
-              <a:rPr lang="zh-TW" altLang="en-US" smtClean="0"/>
+              <a:rPr lang="zh-TW" altLang="en-US"/>
               <a:t>第五層</a:t>
             </a:r>
-            <a:endParaRPr lang="zh-TW" altLang="en-US"/>
           </a:p>
         </p:txBody>
       </p:sp>
@@ -1331,7 +1340,7 @@
             <a:fld id="{9C76BF17-F1D8-4FFE-9DB0-D2CB506767F4}" type="datetimeFigureOut">
               <a:rPr lang="zh-TW" altLang="en-US" smtClean="0"/>
               <a:pPr/>
-              <a:t>2018/6/23</a:t>
+              <a:t>2024/1/26</a:t>
             </a:fld>
             <a:endParaRPr lang="zh-TW" altLang="en-US"/>
           </a:p>
@@ -1425,10 +1434,9 @@
           </a:lstStyle>
           <a:p>
             <a:r>
-              <a:rPr lang="zh-TW" altLang="en-US" smtClean="0"/>
+              <a:rPr lang="zh-TW" altLang="en-US"/>
               <a:t>按一下以編輯母片標題樣式</a:t>
             </a:r>
-            <a:endParaRPr lang="zh-TW" altLang="en-US"/>
           </a:p>
         </p:txBody>
       </p:sp>
@@ -1444,8 +1452,8 @@
         </p:nvSpPr>
         <p:spPr>
           <a:xfrm>
-            <a:off x="457200" y="1535113"/>
-            <a:ext cx="4040188" cy="639762"/>
+            <a:off x="609600" y="1535113"/>
+            <a:ext cx="5386917" cy="639762"/>
           </a:xfrm>
         </p:spPr>
         <p:txBody>
@@ -1491,7 +1499,7 @@
           <a:p>
             <a:pPr lvl="0"/>
             <a:r>
-              <a:rPr lang="zh-TW" altLang="en-US" smtClean="0"/>
+              <a:rPr lang="zh-TW" altLang="en-US"/>
               <a:t>按一下以編輯母片文字樣式</a:t>
             </a:r>
           </a:p>
@@ -1509,8 +1517,8 @@
         </p:nvSpPr>
         <p:spPr>
           <a:xfrm>
-            <a:off x="457200" y="2174875"/>
-            <a:ext cx="4040188" cy="3951288"/>
+            <a:off x="609600" y="2174875"/>
+            <a:ext cx="5386917" cy="3951288"/>
           </a:xfrm>
         </p:spPr>
         <p:txBody>
@@ -1547,38 +1555,37 @@
           <a:p>
             <a:pPr lvl="0"/>
             <a:r>
-              <a:rPr lang="zh-TW" altLang="en-US" smtClean="0"/>
+              <a:rPr lang="zh-TW" altLang="en-US"/>
               <a:t>按一下以編輯母片文字樣式</a:t>
             </a:r>
           </a:p>
           <a:p>
             <a:pPr lvl="1"/>
             <a:r>
-              <a:rPr lang="zh-TW" altLang="en-US" smtClean="0"/>
+              <a:rPr lang="zh-TW" altLang="en-US"/>
               <a:t>第二層</a:t>
             </a:r>
           </a:p>
           <a:p>
             <a:pPr lvl="2"/>
             <a:r>
-              <a:rPr lang="zh-TW" altLang="en-US" smtClean="0"/>
+              <a:rPr lang="zh-TW" altLang="en-US"/>
               <a:t>第三層</a:t>
             </a:r>
           </a:p>
           <a:p>
             <a:pPr lvl="3"/>
             <a:r>
-              <a:rPr lang="zh-TW" altLang="en-US" smtClean="0"/>
+              <a:rPr lang="zh-TW" altLang="en-US"/>
               <a:t>第四層</a:t>
             </a:r>
           </a:p>
           <a:p>
             <a:pPr lvl="4"/>
             <a:r>
-              <a:rPr lang="zh-TW" altLang="en-US" smtClean="0"/>
+              <a:rPr lang="zh-TW" altLang="en-US"/>
               <a:t>第五層</a:t>
             </a:r>
-            <a:endParaRPr lang="zh-TW" altLang="en-US"/>
           </a:p>
         </p:txBody>
       </p:sp>
@@ -1594,8 +1601,8 @@
         </p:nvSpPr>
         <p:spPr>
           <a:xfrm>
-            <a:off x="4645025" y="1535113"/>
-            <a:ext cx="4041775" cy="639762"/>
+            <a:off x="6193368" y="1535113"/>
+            <a:ext cx="5389033" cy="639762"/>
           </a:xfrm>
         </p:spPr>
         <p:txBody>
@@ -1641,7 +1648,7 @@
           <a:p>
             <a:pPr lvl="0"/>
             <a:r>
-              <a:rPr lang="zh-TW" altLang="en-US" smtClean="0"/>
+              <a:rPr lang="zh-TW" altLang="en-US"/>
               <a:t>按一下以編輯母片文字樣式</a:t>
             </a:r>
           </a:p>
@@ -1659,8 +1666,8 @@
         </p:nvSpPr>
         <p:spPr>
           <a:xfrm>
-            <a:off x="4645025" y="2174875"/>
-            <a:ext cx="4041775" cy="3951288"/>
+            <a:off x="6193368" y="2174875"/>
+            <a:ext cx="5389033" cy="3951288"/>
           </a:xfrm>
         </p:spPr>
         <p:txBody>
@@ -1697,38 +1704,37 @@
           <a:p>
             <a:pPr lvl="0"/>
             <a:r>
-              <a:rPr lang="zh-TW" altLang="en-US" smtClean="0"/>
+              <a:rPr lang="zh-TW" altLang="en-US"/>
               <a:t>按一下以編輯母片文字樣式</a:t>
             </a:r>
           </a:p>
           <a:p>
             <a:pPr lvl="1"/>
             <a:r>
-              <a:rPr lang="zh-TW" altLang="en-US" smtClean="0"/>
+              <a:rPr lang="zh-TW" altLang="en-US"/>
               <a:t>第二層</a:t>
             </a:r>
           </a:p>
           <a:p>
             <a:pPr lvl="2"/>
             <a:r>
-              <a:rPr lang="zh-TW" altLang="en-US" smtClean="0"/>
+              <a:rPr lang="zh-TW" altLang="en-US"/>
               <a:t>第三層</a:t>
             </a:r>
           </a:p>
           <a:p>
             <a:pPr lvl="3"/>
             <a:r>
-              <a:rPr lang="zh-TW" altLang="en-US" smtClean="0"/>
+              <a:rPr lang="zh-TW" altLang="en-US"/>
               <a:t>第四層</a:t>
             </a:r>
           </a:p>
           <a:p>
             <a:pPr lvl="4"/>
             <a:r>
-              <a:rPr lang="zh-TW" altLang="en-US" smtClean="0"/>
+              <a:rPr lang="zh-TW" altLang="en-US"/>
               <a:t>第五層</a:t>
             </a:r>
-            <a:endParaRPr lang="zh-TW" altLang="en-US"/>
           </a:p>
         </p:txBody>
       </p:sp>
@@ -1750,7 +1756,7 @@
             <a:fld id="{9C76BF17-F1D8-4FFE-9DB0-D2CB506767F4}" type="datetimeFigureOut">
               <a:rPr lang="zh-TW" altLang="en-US" smtClean="0"/>
               <a:pPr/>
-              <a:t>2018/6/23</a:t>
+              <a:t>2024/1/26</a:t>
             </a:fld>
             <a:endParaRPr lang="zh-TW" altLang="en-US"/>
           </a:p>
@@ -1840,10 +1846,9 @@
           <a:lstStyle/>
           <a:p>
             <a:r>
-              <a:rPr lang="zh-TW" altLang="en-US" smtClean="0"/>
+              <a:rPr lang="zh-TW" altLang="en-US"/>
               <a:t>按一下以編輯母片標題樣式</a:t>
             </a:r>
-            <a:endParaRPr lang="zh-TW" altLang="en-US"/>
           </a:p>
         </p:txBody>
       </p:sp>
@@ -1865,7 +1870,7 @@
             <a:fld id="{9C76BF17-F1D8-4FFE-9DB0-D2CB506767F4}" type="datetimeFigureOut">
               <a:rPr lang="zh-TW" altLang="en-US" smtClean="0"/>
               <a:pPr/>
-              <a:t>2018/6/23</a:t>
+              <a:t>2024/1/26</a:t>
             </a:fld>
             <a:endParaRPr lang="zh-TW" altLang="en-US"/>
           </a:p>
@@ -1957,7 +1962,7 @@
             <a:fld id="{9C76BF17-F1D8-4FFE-9DB0-D2CB506767F4}" type="datetimeFigureOut">
               <a:rPr lang="zh-TW" altLang="en-US" smtClean="0"/>
               <a:pPr/>
-              <a:t>2018/6/23</a:t>
+              <a:t>2024/1/26</a:t>
             </a:fld>
             <a:endParaRPr lang="zh-TW" altLang="en-US"/>
           </a:p>
@@ -2043,8 +2048,8 @@
         </p:nvSpPr>
         <p:spPr>
           <a:xfrm>
-            <a:off x="457200" y="273050"/>
-            <a:ext cx="3008313" cy="1162050"/>
+            <a:off x="609601" y="273050"/>
+            <a:ext cx="4011084" cy="1162050"/>
           </a:xfrm>
         </p:spPr>
         <p:txBody>
@@ -2056,10 +2061,9 @@
           </a:lstStyle>
           <a:p>
             <a:r>
-              <a:rPr lang="zh-TW" altLang="en-US" smtClean="0"/>
+              <a:rPr lang="zh-TW" altLang="en-US"/>
               <a:t>按一下以編輯母片標題樣式</a:t>
             </a:r>
-            <a:endParaRPr lang="zh-TW" altLang="en-US"/>
           </a:p>
         </p:txBody>
       </p:sp>
@@ -2075,8 +2079,8 @@
         </p:nvSpPr>
         <p:spPr>
           <a:xfrm>
-            <a:off x="3575050" y="273050"/>
-            <a:ext cx="5111750" cy="5853113"/>
+            <a:off x="4766733" y="273051"/>
+            <a:ext cx="6815667" cy="5853113"/>
           </a:xfrm>
         </p:spPr>
         <p:txBody>
@@ -2113,38 +2117,37 @@
           <a:p>
             <a:pPr lvl="0"/>
             <a:r>
-              <a:rPr lang="zh-TW" altLang="en-US" smtClean="0"/>
+              <a:rPr lang="zh-TW" altLang="en-US"/>
               <a:t>按一下以編輯母片文字樣式</a:t>
             </a:r>
           </a:p>
           <a:p>
             <a:pPr lvl="1"/>
             <a:r>
-              <a:rPr lang="zh-TW" altLang="en-US" smtClean="0"/>
+              <a:rPr lang="zh-TW" altLang="en-US"/>
               <a:t>第二層</a:t>
             </a:r>
           </a:p>
           <a:p>
             <a:pPr lvl="2"/>
             <a:r>
-              <a:rPr lang="zh-TW" altLang="en-US" smtClean="0"/>
+              <a:rPr lang="zh-TW" altLang="en-US"/>
               <a:t>第三層</a:t>
             </a:r>
           </a:p>
           <a:p>
             <a:pPr lvl="3"/>
             <a:r>
-              <a:rPr lang="zh-TW" altLang="en-US" smtClean="0"/>
+              <a:rPr lang="zh-TW" altLang="en-US"/>
               <a:t>第四層</a:t>
             </a:r>
           </a:p>
           <a:p>
             <a:pPr lvl="4"/>
             <a:r>
-              <a:rPr lang="zh-TW" altLang="en-US" smtClean="0"/>
+              <a:rPr lang="zh-TW" altLang="en-US"/>
               <a:t>第五層</a:t>
             </a:r>
-            <a:endParaRPr lang="zh-TW" altLang="en-US"/>
           </a:p>
         </p:txBody>
       </p:sp>
@@ -2160,8 +2163,8 @@
         </p:nvSpPr>
         <p:spPr>
           <a:xfrm>
-            <a:off x="457200" y="1435100"/>
-            <a:ext cx="3008313" cy="4691063"/>
+            <a:off x="609601" y="1435101"/>
+            <a:ext cx="4011084" cy="4691063"/>
           </a:xfrm>
         </p:spPr>
         <p:txBody>
@@ -2207,7 +2210,7 @@
           <a:p>
             <a:pPr lvl="0"/>
             <a:r>
-              <a:rPr lang="zh-TW" altLang="en-US" smtClean="0"/>
+              <a:rPr lang="zh-TW" altLang="en-US"/>
               <a:t>按一下以編輯母片文字樣式</a:t>
             </a:r>
           </a:p>
@@ -2231,7 +2234,7 @@
             <a:fld id="{9C76BF17-F1D8-4FFE-9DB0-D2CB506767F4}" type="datetimeFigureOut">
               <a:rPr lang="zh-TW" altLang="en-US" smtClean="0"/>
               <a:pPr/>
-              <a:t>2018/6/23</a:t>
+              <a:t>2024/1/26</a:t>
             </a:fld>
             <a:endParaRPr lang="zh-TW" altLang="en-US"/>
           </a:p>
@@ -2317,8 +2320,8 @@
         </p:nvSpPr>
         <p:spPr>
           <a:xfrm>
-            <a:off x="1792288" y="4800600"/>
-            <a:ext cx="5486400" cy="566738"/>
+            <a:off x="2389717" y="4800600"/>
+            <a:ext cx="7315200" cy="566738"/>
           </a:xfrm>
         </p:spPr>
         <p:txBody>
@@ -2330,10 +2333,9 @@
           </a:lstStyle>
           <a:p>
             <a:r>
-              <a:rPr lang="zh-TW" altLang="en-US" smtClean="0"/>
+              <a:rPr lang="zh-TW" altLang="en-US"/>
               <a:t>按一下以編輯母片標題樣式</a:t>
             </a:r>
-            <a:endParaRPr lang="zh-TW" altLang="en-US"/>
           </a:p>
         </p:txBody>
       </p:sp>
@@ -2349,8 +2351,8 @@
         </p:nvSpPr>
         <p:spPr>
           <a:xfrm>
-            <a:off x="1792288" y="612775"/>
-            <a:ext cx="5486400" cy="4114800"/>
+            <a:off x="2389717" y="612775"/>
+            <a:ext cx="7315200" cy="4114800"/>
           </a:xfrm>
         </p:spPr>
         <p:txBody>
@@ -2395,10 +2397,9 @@
           </a:lstStyle>
           <a:p>
             <a:r>
-              <a:rPr lang="zh-TW" altLang="en-US" smtClean="0"/>
+              <a:rPr lang="zh-TW" altLang="en-US"/>
               <a:t>按一下圖示以新增圖片</a:t>
             </a:r>
-            <a:endParaRPr lang="zh-TW" altLang="en-US"/>
           </a:p>
         </p:txBody>
       </p:sp>
@@ -2414,8 +2415,8 @@
         </p:nvSpPr>
         <p:spPr>
           <a:xfrm>
-            <a:off x="1792288" y="5367338"/>
-            <a:ext cx="5486400" cy="804862"/>
+            <a:off x="2389717" y="5367338"/>
+            <a:ext cx="7315200" cy="804862"/>
           </a:xfrm>
         </p:spPr>
         <p:txBody>
@@ -2461,7 +2462,7 @@
           <a:p>
             <a:pPr lvl="0"/>
             <a:r>
-              <a:rPr lang="zh-TW" altLang="en-US" smtClean="0"/>
+              <a:rPr lang="zh-TW" altLang="en-US"/>
               <a:t>按一下以編輯母片文字樣式</a:t>
             </a:r>
           </a:p>
@@ -2485,7 +2486,7 @@
             <a:fld id="{9C76BF17-F1D8-4FFE-9DB0-D2CB506767F4}" type="datetimeFigureOut">
               <a:rPr lang="zh-TW" altLang="en-US" smtClean="0"/>
               <a:pPr/>
-              <a:t>2018/6/23</a:t>
+              <a:t>2024/1/26</a:t>
             </a:fld>
             <a:endParaRPr lang="zh-TW" altLang="en-US"/>
           </a:p>
@@ -2581,8 +2582,8 @@
         </p:nvSpPr>
         <p:spPr>
           <a:xfrm>
-            <a:off x="457200" y="274638"/>
-            <a:ext cx="8229600" cy="1143000"/>
+            <a:off x="609600" y="274638"/>
+            <a:ext cx="10972800" cy="1143000"/>
           </a:xfrm>
           <a:prstGeom prst="rect">
             <a:avLst/>
@@ -2595,10 +2596,9 @@
           <a:lstStyle/>
           <a:p>
             <a:r>
-              <a:rPr lang="zh-TW" altLang="en-US" smtClean="0"/>
+              <a:rPr lang="zh-TW" altLang="en-US"/>
               <a:t>按一下以編輯母片標題樣式</a:t>
             </a:r>
-            <a:endParaRPr lang="zh-TW" altLang="en-US"/>
           </a:p>
         </p:txBody>
       </p:sp>
@@ -2614,8 +2614,8 @@
         </p:nvSpPr>
         <p:spPr>
           <a:xfrm>
-            <a:off x="457200" y="1600200"/>
-            <a:ext cx="8229600" cy="4525963"/>
+            <a:off x="609600" y="1600201"/>
+            <a:ext cx="10972800" cy="4525963"/>
           </a:xfrm>
           <a:prstGeom prst="rect">
             <a:avLst/>
@@ -2629,38 +2629,37 @@
           <a:p>
             <a:pPr lvl="0"/>
             <a:r>
-              <a:rPr lang="zh-TW" altLang="en-US" smtClean="0"/>
+              <a:rPr lang="zh-TW" altLang="en-US"/>
               <a:t>按一下以編輯母片文字樣式</a:t>
             </a:r>
           </a:p>
           <a:p>
             <a:pPr lvl="1"/>
             <a:r>
-              <a:rPr lang="zh-TW" altLang="en-US" smtClean="0"/>
+              <a:rPr lang="zh-TW" altLang="en-US"/>
               <a:t>第二層</a:t>
             </a:r>
           </a:p>
           <a:p>
             <a:pPr lvl="2"/>
             <a:r>
-              <a:rPr lang="zh-TW" altLang="en-US" smtClean="0"/>
+              <a:rPr lang="zh-TW" altLang="en-US"/>
               <a:t>第三層</a:t>
             </a:r>
           </a:p>
           <a:p>
             <a:pPr lvl="3"/>
             <a:r>
-              <a:rPr lang="zh-TW" altLang="en-US" smtClean="0"/>
+              <a:rPr lang="zh-TW" altLang="en-US"/>
               <a:t>第四層</a:t>
             </a:r>
           </a:p>
           <a:p>
             <a:pPr lvl="4"/>
             <a:r>
-              <a:rPr lang="zh-TW" altLang="en-US" smtClean="0"/>
+              <a:rPr lang="zh-TW" altLang="en-US"/>
               <a:t>第五層</a:t>
             </a:r>
-            <a:endParaRPr lang="zh-TW" altLang="en-US"/>
           </a:p>
         </p:txBody>
       </p:sp>
@@ -2676,8 +2675,8 @@
         </p:nvSpPr>
         <p:spPr>
           <a:xfrm>
-            <a:off x="457200" y="6356350"/>
-            <a:ext cx="2133600" cy="365125"/>
+            <a:off x="609600" y="6356351"/>
+            <a:ext cx="2844800" cy="365125"/>
           </a:xfrm>
           <a:prstGeom prst="rect">
             <a:avLst/>
@@ -2700,7 +2699,7 @@
             <a:fld id="{9C76BF17-F1D8-4FFE-9DB0-D2CB506767F4}" type="datetimeFigureOut">
               <a:rPr lang="zh-TW" altLang="en-US" smtClean="0"/>
               <a:pPr/>
-              <a:t>2018/6/23</a:t>
+              <a:t>2024/1/26</a:t>
             </a:fld>
             <a:endParaRPr lang="zh-TW" altLang="en-US"/>
           </a:p>
@@ -2718,8 +2717,8 @@
         </p:nvSpPr>
         <p:spPr>
           <a:xfrm>
-            <a:off x="3124200" y="6356350"/>
-            <a:ext cx="2895600" cy="365125"/>
+            <a:off x="4165600" y="6356351"/>
+            <a:ext cx="3860800" cy="365125"/>
           </a:xfrm>
           <a:prstGeom prst="rect">
             <a:avLst/>
@@ -2755,8 +2754,8 @@
         </p:nvSpPr>
         <p:spPr>
           <a:xfrm>
-            <a:off x="6553200" y="6356350"/>
-            <a:ext cx="2133600" cy="365125"/>
+            <a:off x="8737600" y="6356351"/>
+            <a:ext cx="2844800" cy="365125"/>
           </a:xfrm>
           <a:prstGeom prst="rect">
             <a:avLst/>
@@ -3081,199 +3080,34 @@
             <p:ph type="title"/>
           </p:nvPr>
         </p:nvSpPr>
-        <p:spPr/>
-        <p:txBody>
-          <a:bodyPr/>
-          <a:lstStyle/>
-          <a:p>
-            <a:r>
-              <a:rPr lang="zh-TW" altLang="en-US" b="1" dirty="0">
+        <p:spPr>
+          <a:xfrm>
+            <a:off x="0" y="2660915"/>
+            <a:ext cx="12192000" cy="1143000"/>
+          </a:xfrm>
+        </p:spPr>
+        <p:txBody>
+          <a:bodyPr>
+            <a:noAutofit/>
+          </a:bodyPr>
+          <a:lstStyle/>
+          <a:p>
+            <a:r>
+              <a:rPr lang="zh-TW" altLang="en-US" sz="7200" b="1" i="1" dirty="0">
                 <a:solidFill>
                   <a:srgbClr val="000066"/>
                 </a:solidFill>
+                <a:effectLst>
+                  <a:outerShdw blurRad="38100" dist="38100" dir="2700000" algn="tl">
+                    <a:srgbClr val="000000">
+                      <a:alpha val="43137"/>
+                    </a:srgbClr>
+                  </a:outerShdw>
+                </a:effectLst>
                 <a:latin typeface="微軟正黑體" pitchFamily="34" charset="-120"/>
                 <a:ea typeface="微軟正黑體" pitchFamily="34" charset="-120"/>
               </a:rPr>
               <a:t>奇異恩典</a:t>
-            </a:r>
-          </a:p>
-        </p:txBody>
-      </p:sp>
-      <p:sp>
-        <p:nvSpPr>
-          <p:cNvPr id="5" name="內容版面配置區 4"/>
-          <p:cNvSpPr>
-            <a:spLocks noGrp="1"/>
-          </p:cNvSpPr>
-          <p:nvPr>
-            <p:ph idx="1"/>
-          </p:nvPr>
-        </p:nvSpPr>
-        <p:spPr/>
-        <p:txBody>
-          <a:bodyPr>
-            <a:normAutofit/>
-          </a:bodyPr>
-          <a:lstStyle/>
-          <a:p>
-            <a:pPr algn="ctr">
-              <a:buNone/>
-            </a:pPr>
-            <a:r>
-              <a:rPr lang="zh-TW" altLang="en-US" sz="5400" b="1" dirty="0">
-                <a:solidFill>
-                  <a:srgbClr val="000066"/>
-                </a:solidFill>
-                <a:latin typeface="微軟正黑體" pitchFamily="34" charset="-120"/>
-                <a:ea typeface="微軟正黑體" pitchFamily="34" charset="-120"/>
-              </a:rPr>
-              <a:t>奇異</a:t>
-            </a:r>
-            <a:r>
-              <a:rPr lang="zh-TW" altLang="en-US" sz="5400" b="1" dirty="0" smtClean="0">
-                <a:solidFill>
-                  <a:srgbClr val="000066"/>
-                </a:solidFill>
-                <a:latin typeface="微軟正黑體" pitchFamily="34" charset="-120"/>
-                <a:ea typeface="微軟正黑體" pitchFamily="34" charset="-120"/>
-              </a:rPr>
-              <a:t>恩典  何等甘甜</a:t>
-            </a:r>
-            <a:endParaRPr lang="en-US" altLang="zh-TW" sz="5400" b="1" dirty="0" smtClean="0">
-              <a:solidFill>
-                <a:srgbClr val="000066"/>
-              </a:solidFill>
-              <a:latin typeface="微軟正黑體" pitchFamily="34" charset="-120"/>
-              <a:ea typeface="微軟正黑體" pitchFamily="34" charset="-120"/>
-            </a:endParaRPr>
-          </a:p>
-          <a:p>
-            <a:pPr algn="ctr">
-              <a:buNone/>
-            </a:pPr>
-            <a:r>
-              <a:rPr lang="zh-TW" altLang="en-US" sz="5400" b="1" dirty="0" smtClean="0">
-                <a:solidFill>
-                  <a:srgbClr val="000066"/>
-                </a:solidFill>
-                <a:latin typeface="微軟正黑體" pitchFamily="34" charset="-120"/>
-                <a:ea typeface="微軟正黑體" pitchFamily="34" charset="-120"/>
-              </a:rPr>
-              <a:t>我</a:t>
-            </a:r>
-            <a:r>
-              <a:rPr lang="zh-TW" altLang="en-US" sz="5400" b="1" dirty="0">
-                <a:solidFill>
-                  <a:srgbClr val="000066"/>
-                </a:solidFill>
-                <a:latin typeface="微軟正黑體" pitchFamily="34" charset="-120"/>
-                <a:ea typeface="微軟正黑體" pitchFamily="34" charset="-120"/>
-              </a:rPr>
-              <a:t>罪已得</a:t>
-            </a:r>
-            <a:r>
-              <a:rPr lang="zh-TW" altLang="en-US" sz="5400" b="1" dirty="0" smtClean="0">
-                <a:solidFill>
-                  <a:srgbClr val="000066"/>
-                </a:solidFill>
-                <a:latin typeface="微軟正黑體" pitchFamily="34" charset="-120"/>
-                <a:ea typeface="微軟正黑體" pitchFamily="34" charset="-120"/>
-              </a:rPr>
-              <a:t>赦免</a:t>
-            </a:r>
-            <a:endParaRPr lang="en-US" altLang="zh-TW" sz="5400" b="1" dirty="0">
-              <a:solidFill>
-                <a:srgbClr val="000066"/>
-              </a:solidFill>
-              <a:latin typeface="微軟正黑體" pitchFamily="34" charset="-120"/>
-              <a:ea typeface="微軟正黑體" pitchFamily="34" charset="-120"/>
-            </a:endParaRPr>
-          </a:p>
-          <a:p>
-            <a:pPr algn="ctr">
-              <a:buNone/>
-            </a:pPr>
-            <a:r>
-              <a:rPr lang="zh-TW" altLang="en-US" sz="5400" b="1" dirty="0" smtClean="0">
-                <a:solidFill>
-                  <a:srgbClr val="000066"/>
-                </a:solidFill>
-                <a:latin typeface="微軟正黑體" pitchFamily="34" charset="-120"/>
-                <a:ea typeface="微軟正黑體" pitchFamily="34" charset="-120"/>
-              </a:rPr>
-              <a:t>前</a:t>
-            </a:r>
-            <a:r>
-              <a:rPr lang="zh-TW" altLang="en-US" sz="5400" b="1" dirty="0">
-                <a:solidFill>
-                  <a:srgbClr val="000066"/>
-                </a:solidFill>
-                <a:latin typeface="微軟正黑體" pitchFamily="34" charset="-120"/>
-                <a:ea typeface="微軟正黑體" pitchFamily="34" charset="-120"/>
-              </a:rPr>
-              <a:t>我失</a:t>
-            </a:r>
-            <a:r>
-              <a:rPr lang="zh-TW" altLang="en-US" sz="5400" b="1" dirty="0" smtClean="0">
-                <a:solidFill>
-                  <a:srgbClr val="000066"/>
-                </a:solidFill>
-                <a:latin typeface="微軟正黑體" pitchFamily="34" charset="-120"/>
-                <a:ea typeface="微軟正黑體" pitchFamily="34" charset="-120"/>
-              </a:rPr>
-              <a:t>喪  今</a:t>
-            </a:r>
-            <a:r>
-              <a:rPr lang="zh-TW" altLang="en-US" sz="5400" b="1" dirty="0">
-                <a:solidFill>
-                  <a:srgbClr val="000066"/>
-                </a:solidFill>
-                <a:latin typeface="微軟正黑體" pitchFamily="34" charset="-120"/>
-                <a:ea typeface="微軟正黑體" pitchFamily="34" charset="-120"/>
-              </a:rPr>
-              <a:t>被尋</a:t>
-            </a:r>
-            <a:r>
-              <a:rPr lang="zh-TW" altLang="en-US" sz="5400" b="1" dirty="0" smtClean="0">
-                <a:solidFill>
-                  <a:srgbClr val="000066"/>
-                </a:solidFill>
-                <a:latin typeface="微軟正黑體" pitchFamily="34" charset="-120"/>
-                <a:ea typeface="微軟正黑體" pitchFamily="34" charset="-120"/>
-              </a:rPr>
-              <a:t>回</a:t>
-            </a:r>
-            <a:endParaRPr lang="en-US" altLang="zh-TW" sz="5400" b="1" dirty="0" smtClean="0">
-              <a:solidFill>
-                <a:srgbClr val="000066"/>
-              </a:solidFill>
-              <a:latin typeface="微軟正黑體" pitchFamily="34" charset="-120"/>
-              <a:ea typeface="微軟正黑體" pitchFamily="34" charset="-120"/>
-            </a:endParaRPr>
-          </a:p>
-          <a:p>
-            <a:pPr algn="ctr">
-              <a:buNone/>
-            </a:pPr>
-            <a:r>
-              <a:rPr lang="zh-TW" altLang="en-US" sz="5400" b="1" dirty="0" smtClean="0">
-                <a:solidFill>
-                  <a:srgbClr val="000066"/>
-                </a:solidFill>
-                <a:latin typeface="微軟正黑體" pitchFamily="34" charset="-120"/>
-                <a:ea typeface="微軟正黑體" pitchFamily="34" charset="-120"/>
-              </a:rPr>
-              <a:t>瞎眼</a:t>
-            </a:r>
-            <a:r>
-              <a:rPr lang="zh-TW" altLang="en-US" sz="5400" b="1" dirty="0">
-                <a:solidFill>
-                  <a:srgbClr val="000066"/>
-                </a:solidFill>
-                <a:latin typeface="微軟正黑體" pitchFamily="34" charset="-120"/>
-                <a:ea typeface="微軟正黑體" pitchFamily="34" charset="-120"/>
-              </a:rPr>
-              <a:t>今得看見</a:t>
             </a:r>
           </a:p>
         </p:txBody>
@@ -3305,93 +3139,40 @@
       </p:grpSpPr>
       <p:sp>
         <p:nvSpPr>
-          <p:cNvPr id="4" name="標題 3"/>
-          <p:cNvSpPr>
-            <a:spLocks noGrp="1"/>
-          </p:cNvSpPr>
-          <p:nvPr>
-            <p:ph type="title"/>
-          </p:nvPr>
-        </p:nvSpPr>
-        <p:spPr/>
-        <p:txBody>
-          <a:bodyPr/>
-          <a:lstStyle/>
-          <a:p>
-            <a:r>
-              <a:rPr lang="zh-TW" altLang="en-US" b="1" dirty="0">
+          <p:cNvPr id="5" name="內容版面配置區 4"/>
+          <p:cNvSpPr>
+            <a:spLocks noGrp="1"/>
+          </p:cNvSpPr>
+          <p:nvPr>
+            <p:ph idx="1"/>
+          </p:nvPr>
+        </p:nvSpPr>
+        <p:spPr>
+          <a:xfrm>
+            <a:off x="0" y="2084851"/>
+            <a:ext cx="12192000" cy="2404863"/>
+          </a:xfrm>
+        </p:spPr>
+        <p:txBody>
+          <a:bodyPr anchor="ctr">
+            <a:normAutofit/>
+          </a:bodyPr>
+          <a:lstStyle/>
+          <a:p>
+            <a:pPr algn="ctr">
+              <a:buNone/>
+            </a:pPr>
+            <a:r>
+              <a:rPr lang="zh-TW" altLang="en-US" sz="6400" b="1" dirty="0">
                 <a:solidFill>
                   <a:srgbClr val="000066"/>
                 </a:solidFill>
                 <a:latin typeface="微軟正黑體" pitchFamily="34" charset="-120"/>
                 <a:ea typeface="微軟正黑體" pitchFamily="34" charset="-120"/>
               </a:rPr>
-              <a:t>奇異恩典</a:t>
-            </a:r>
-          </a:p>
-        </p:txBody>
-      </p:sp>
-      <p:sp>
-        <p:nvSpPr>
-          <p:cNvPr id="5" name="內容版面配置區 4"/>
-          <p:cNvSpPr>
-            <a:spLocks noGrp="1"/>
-          </p:cNvSpPr>
-          <p:nvPr>
-            <p:ph idx="1"/>
-          </p:nvPr>
-        </p:nvSpPr>
-        <p:spPr/>
-        <p:txBody>
-          <a:bodyPr>
-            <a:normAutofit/>
-          </a:bodyPr>
-          <a:lstStyle/>
-          <a:p>
-            <a:pPr algn="ctr">
-              <a:buNone/>
-            </a:pPr>
-            <a:r>
-              <a:rPr lang="zh-TW" altLang="en-US" sz="5400" b="1" dirty="0">
-                <a:solidFill>
-                  <a:srgbClr val="000066"/>
-                </a:solidFill>
-                <a:latin typeface="微軟正黑體" pitchFamily="34" charset="-120"/>
-                <a:ea typeface="微軟正黑體" pitchFamily="34" charset="-120"/>
-              </a:rPr>
-              <a:t>浩大</a:t>
-            </a:r>
-            <a:r>
-              <a:rPr lang="zh-TW" altLang="en-US" sz="5400" b="1" dirty="0" smtClean="0">
-                <a:solidFill>
-                  <a:srgbClr val="000066"/>
-                </a:solidFill>
-                <a:latin typeface="微軟正黑體" pitchFamily="34" charset="-120"/>
-                <a:ea typeface="微軟正黑體" pitchFamily="34" charset="-120"/>
-              </a:rPr>
-              <a:t>恩典  使</a:t>
-            </a:r>
-            <a:r>
-              <a:rPr lang="zh-TW" altLang="en-US" sz="5400" b="1" dirty="0">
-                <a:solidFill>
-                  <a:srgbClr val="000066"/>
-                </a:solidFill>
-                <a:latin typeface="微軟正黑體" pitchFamily="34" charset="-120"/>
-                <a:ea typeface="微軟正黑體" pitchFamily="34" charset="-120"/>
-              </a:rPr>
-              <a:t>我</a:t>
-            </a:r>
-            <a:r>
-              <a:rPr lang="zh-TW" altLang="en-US" sz="5400" b="1" dirty="0" smtClean="0">
-                <a:solidFill>
-                  <a:srgbClr val="000066"/>
-                </a:solidFill>
-                <a:latin typeface="微軟正黑體" pitchFamily="34" charset="-120"/>
-                <a:ea typeface="微軟正黑體" pitchFamily="34" charset="-120"/>
-              </a:rPr>
-              <a:t>敬畏</a:t>
-            </a:r>
-            <a:endParaRPr lang="en-US" altLang="zh-TW" sz="5400" b="1" dirty="0" smtClean="0">
+              <a:t>奇異恩典  何等甘甜</a:t>
+            </a:r>
+            <a:endParaRPr lang="en-US" altLang="zh-TW" sz="6400" b="1" dirty="0">
               <a:solidFill>
                 <a:srgbClr val="000066"/>
               </a:solidFill>
@@ -3404,36 +3185,16 @@
               <a:buNone/>
             </a:pPr>
             <a:r>
-              <a:rPr lang="zh-TW" altLang="en-US" sz="5400" b="1" dirty="0" smtClean="0">
+              <a:rPr lang="zh-TW" altLang="en-US" sz="6400" b="1" dirty="0">
                 <a:solidFill>
                   <a:srgbClr val="000066"/>
                 </a:solidFill>
                 <a:latin typeface="微軟正黑體" pitchFamily="34" charset="-120"/>
                 <a:ea typeface="微軟正黑體" pitchFamily="34" charset="-120"/>
               </a:rPr>
-              <a:t>使</a:t>
-            </a:r>
-            <a:r>
-              <a:rPr lang="zh-TW" altLang="en-US" sz="5400" b="1" dirty="0">
-                <a:solidFill>
-                  <a:srgbClr val="000066"/>
-                </a:solidFill>
-                <a:latin typeface="微軟正黑體" pitchFamily="34" charset="-120"/>
-                <a:ea typeface="微軟正黑體" pitchFamily="34" charset="-120"/>
-              </a:rPr>
-              <a:t>我心得</a:t>
-            </a:r>
-            <a:r>
-              <a:rPr lang="zh-TW" altLang="en-US" sz="5400" b="1" dirty="0" smtClean="0">
-                <a:solidFill>
-                  <a:srgbClr val="000066"/>
-                </a:solidFill>
-                <a:latin typeface="微軟正黑體" pitchFamily="34" charset="-120"/>
-                <a:ea typeface="微軟正黑體" pitchFamily="34" charset="-120"/>
-              </a:rPr>
-              <a:t>安慰</a:t>
-            </a:r>
-            <a:endParaRPr lang="en-US" altLang="zh-TW" sz="5400" b="1" dirty="0">
+              <a:t>我罪已得赦免</a:t>
+            </a:r>
+            <a:endParaRPr lang="en-US" altLang="zh-TW" sz="6400" b="1" dirty="0">
               <a:solidFill>
                 <a:srgbClr val="000066"/>
               </a:solidFill>
@@ -3441,92 +3202,64 @@
               <a:ea typeface="微軟正黑體" pitchFamily="34" charset="-120"/>
             </a:endParaRPr>
           </a:p>
-          <a:p>
-            <a:pPr algn="ctr">
-              <a:buNone/>
-            </a:pPr>
-            <a:r>
-              <a:rPr lang="zh-TW" altLang="en-US" sz="5400" b="1" dirty="0" smtClean="0">
+        </p:txBody>
+      </p:sp>
+      <p:sp>
+        <p:nvSpPr>
+          <p:cNvPr id="3" name="TextBox 2"/>
+          <p:cNvSpPr txBox="1"/>
+          <p:nvPr/>
+        </p:nvSpPr>
+        <p:spPr>
+          <a:xfrm>
+            <a:off x="0" y="5157193"/>
+            <a:ext cx="12192000" cy="584775"/>
+          </a:xfrm>
+          <a:prstGeom prst="rect">
+            <a:avLst/>
+          </a:prstGeom>
+          <a:noFill/>
+        </p:spPr>
+        <p:txBody>
+          <a:bodyPr wrap="square" rtlCol="0">
+            <a:spAutoFit/>
+          </a:bodyPr>
+          <a:lstStyle/>
+          <a:p>
+            <a:pPr algn="ctr"/>
+            <a:r>
+              <a:rPr lang="en-US" sz="3200" b="1" dirty="0">
                 <a:solidFill>
                   <a:srgbClr val="000066"/>
                 </a:solidFill>
-                <a:latin typeface="微軟正黑體" pitchFamily="34" charset="-120"/>
-                <a:ea typeface="微軟正黑體" pitchFamily="34" charset="-120"/>
+                <a:ea typeface="Microsoft JhengHei" panose="020B0604030504040204" pitchFamily="34" charset="-120"/>
               </a:rPr>
-              <a:t>初</a:t>
-            </a:r>
-            <a:r>
-              <a:rPr lang="zh-TW" altLang="en-US" sz="5400" b="1" dirty="0">
+              <a:t>( </a:t>
+            </a:r>
+            <a:r>
+              <a:rPr lang="en-US" altLang="zh-CN" sz="3200" b="1" dirty="0">
                 <a:solidFill>
                   <a:srgbClr val="000066"/>
                 </a:solidFill>
-                <a:latin typeface="微軟正黑體" pitchFamily="34" charset="-120"/>
-                <a:ea typeface="微軟正黑體" pitchFamily="34" charset="-120"/>
+                <a:ea typeface="Microsoft JhengHei" panose="020B0604030504040204" pitchFamily="34" charset="-120"/>
               </a:rPr>
-              <a:t>信</a:t>
-            </a:r>
-            <a:r>
-              <a:rPr lang="zh-TW" altLang="en-US" sz="5400" b="1" dirty="0" smtClean="0">
+              <a:t>1 / 4</a:t>
+            </a:r>
+            <a:r>
+              <a:rPr lang="en-US" sz="3200" b="1" dirty="0">
                 <a:solidFill>
                   <a:srgbClr val="000066"/>
                 </a:solidFill>
-                <a:latin typeface="微軟正黑體" pitchFamily="34" charset="-120"/>
-                <a:ea typeface="微軟正黑體" pitchFamily="34" charset="-120"/>
+                <a:ea typeface="Microsoft JhengHei" panose="020B0604030504040204" pitchFamily="34" charset="-120"/>
               </a:rPr>
-              <a:t>之時  即</a:t>
-            </a:r>
-            <a:r>
-              <a:rPr lang="zh-TW" altLang="en-US" sz="5400" b="1" dirty="0">
-                <a:solidFill>
-                  <a:srgbClr val="000066"/>
-                </a:solidFill>
-                <a:latin typeface="微軟正黑體" pitchFamily="34" charset="-120"/>
-                <a:ea typeface="微軟正黑體" pitchFamily="34" charset="-120"/>
-              </a:rPr>
-              <a:t>蒙恩</a:t>
-            </a:r>
-            <a:r>
-              <a:rPr lang="zh-TW" altLang="en-US" sz="5400" b="1" dirty="0" smtClean="0">
-                <a:solidFill>
-                  <a:srgbClr val="000066"/>
-                </a:solidFill>
-                <a:latin typeface="微軟正黑體" pitchFamily="34" charset="-120"/>
-                <a:ea typeface="微軟正黑體" pitchFamily="34" charset="-120"/>
-              </a:rPr>
-              <a:t>惠</a:t>
-            </a:r>
-            <a:endParaRPr lang="en-US" altLang="zh-TW" sz="5400" b="1" dirty="0" smtClean="0">
+              <a:t> )</a:t>
+            </a:r>
+            <a:endParaRPr lang="vi-VN" sz="3200" b="1" dirty="0">
               <a:solidFill>
                 <a:srgbClr val="000066"/>
               </a:solidFill>
-              <a:latin typeface="微軟正黑體" pitchFamily="34" charset="-120"/>
-              <a:ea typeface="微軟正黑體" pitchFamily="34" charset="-120"/>
+              <a:ea typeface="Microsoft JhengHei" panose="020B0604030504040204" pitchFamily="34" charset="-120"/>
             </a:endParaRPr>
-          </a:p>
-          <a:p>
-            <a:pPr algn="ctr">
-              <a:buNone/>
-            </a:pPr>
-            <a:r>
-              <a:rPr lang="zh-TW" altLang="en-US" sz="5400" b="1" dirty="0" smtClean="0">
-                <a:solidFill>
-                  <a:srgbClr val="000066"/>
-                </a:solidFill>
-                <a:latin typeface="微軟正黑體" pitchFamily="34" charset="-120"/>
-                <a:ea typeface="微軟正黑體" pitchFamily="34" charset="-120"/>
-              </a:rPr>
-              <a:t>真是</a:t>
-            </a:r>
-            <a:r>
-              <a:rPr lang="zh-TW" altLang="en-US" sz="5400" b="1" dirty="0">
-                <a:solidFill>
-                  <a:srgbClr val="000066"/>
-                </a:solidFill>
-                <a:latin typeface="微軟正黑體" pitchFamily="34" charset="-120"/>
-                <a:ea typeface="微軟正黑體" pitchFamily="34" charset="-120"/>
-              </a:rPr>
-              <a:t>何等寶貴</a:t>
-            </a:r>
           </a:p>
         </p:txBody>
       </p:sp>
@@ -3557,73 +3290,40 @@
       </p:grpSpPr>
       <p:sp>
         <p:nvSpPr>
-          <p:cNvPr id="4" name="標題 3"/>
-          <p:cNvSpPr>
-            <a:spLocks noGrp="1"/>
-          </p:cNvSpPr>
-          <p:nvPr>
-            <p:ph type="title"/>
-          </p:nvPr>
-        </p:nvSpPr>
-        <p:spPr/>
-        <p:txBody>
-          <a:bodyPr/>
-          <a:lstStyle/>
-          <a:p>
-            <a:r>
-              <a:rPr lang="zh-TW" altLang="en-US" b="1" dirty="0">
+          <p:cNvPr id="5" name="內容版面配置區 4"/>
+          <p:cNvSpPr>
+            <a:spLocks noGrp="1"/>
+          </p:cNvSpPr>
+          <p:nvPr>
+            <p:ph idx="1"/>
+          </p:nvPr>
+        </p:nvSpPr>
+        <p:spPr>
+          <a:xfrm>
+            <a:off x="0" y="2084851"/>
+            <a:ext cx="12192000" cy="2404863"/>
+          </a:xfrm>
+        </p:spPr>
+        <p:txBody>
+          <a:bodyPr anchor="ctr">
+            <a:normAutofit/>
+          </a:bodyPr>
+          <a:lstStyle/>
+          <a:p>
+            <a:pPr algn="ctr">
+              <a:buNone/>
+            </a:pPr>
+            <a:r>
+              <a:rPr lang="zh-TW" altLang="en-US" sz="6400" b="1" dirty="0">
                 <a:solidFill>
                   <a:srgbClr val="000066"/>
                 </a:solidFill>
                 <a:latin typeface="微軟正黑體" pitchFamily="34" charset="-120"/>
                 <a:ea typeface="微軟正黑體" pitchFamily="34" charset="-120"/>
               </a:rPr>
-              <a:t>奇異恩典</a:t>
-            </a:r>
-          </a:p>
-        </p:txBody>
-      </p:sp>
-      <p:sp>
-        <p:nvSpPr>
-          <p:cNvPr id="5" name="內容版面配置區 4"/>
-          <p:cNvSpPr>
-            <a:spLocks noGrp="1"/>
-          </p:cNvSpPr>
-          <p:nvPr>
-            <p:ph idx="1"/>
-          </p:nvPr>
-        </p:nvSpPr>
-        <p:spPr/>
-        <p:txBody>
-          <a:bodyPr>
-            <a:normAutofit/>
-          </a:bodyPr>
-          <a:lstStyle/>
-          <a:p>
-            <a:pPr algn="ctr">
-              <a:buNone/>
-            </a:pPr>
-            <a:r>
-              <a:rPr lang="zh-TW" altLang="en-US" sz="5400" b="1" dirty="0">
-                <a:solidFill>
-                  <a:srgbClr val="000066"/>
-                </a:solidFill>
-                <a:latin typeface="微軟正黑體" pitchFamily="34" charset="-120"/>
-                <a:ea typeface="微軟正黑體" pitchFamily="34" charset="-120"/>
-              </a:rPr>
-              <a:t>經過許多危險</a:t>
-            </a:r>
-            <a:r>
-              <a:rPr lang="zh-TW" altLang="en-US" sz="5400" b="1" dirty="0" smtClean="0">
-                <a:solidFill>
-                  <a:srgbClr val="000066"/>
-                </a:solidFill>
-                <a:latin typeface="微軟正黑體" pitchFamily="34" charset="-120"/>
-                <a:ea typeface="微軟正黑體" pitchFamily="34" charset="-120"/>
-              </a:rPr>
-              <a:t>網羅</a:t>
-            </a:r>
-            <a:endParaRPr lang="en-US" altLang="zh-TW" sz="5400" b="1" dirty="0" smtClean="0">
+              <a:t>前我失喪  今被尋回</a:t>
+            </a:r>
+            <a:endParaRPr lang="en-US" altLang="zh-TW" sz="6400" b="1" dirty="0">
               <a:solidFill>
                 <a:srgbClr val="000066"/>
               </a:solidFill>
@@ -3636,113 +3336,83 @@
               <a:buNone/>
             </a:pPr>
             <a:r>
-              <a:rPr lang="zh-TW" altLang="en-US" sz="5400" b="1" dirty="0" smtClean="0">
+              <a:rPr lang="zh-TW" altLang="en-US" sz="6400" b="1" dirty="0">
                 <a:solidFill>
                   <a:srgbClr val="000066"/>
                 </a:solidFill>
                 <a:latin typeface="微軟正黑體" pitchFamily="34" charset="-120"/>
                 <a:ea typeface="微軟正黑體" pitchFamily="34" charset="-120"/>
               </a:rPr>
-              <a:t>飽受</a:t>
-            </a:r>
-            <a:r>
-              <a:rPr lang="zh-TW" altLang="en-US" sz="5400" b="1" dirty="0">
+              <a:t>瞎眼今得看見</a:t>
+            </a:r>
+          </a:p>
+        </p:txBody>
+      </p:sp>
+      <p:sp>
+        <p:nvSpPr>
+          <p:cNvPr id="3" name="TextBox 2"/>
+          <p:cNvSpPr txBox="1"/>
+          <p:nvPr/>
+        </p:nvSpPr>
+        <p:spPr>
+          <a:xfrm>
+            <a:off x="0" y="5157193"/>
+            <a:ext cx="12192000" cy="584775"/>
+          </a:xfrm>
+          <a:prstGeom prst="rect">
+            <a:avLst/>
+          </a:prstGeom>
+          <a:noFill/>
+        </p:spPr>
+        <p:txBody>
+          <a:bodyPr wrap="square" rtlCol="0">
+            <a:spAutoFit/>
+          </a:bodyPr>
+          <a:lstStyle/>
+          <a:p>
+            <a:pPr algn="ctr"/>
+            <a:r>
+              <a:rPr lang="en-US" sz="3200" b="1" dirty="0">
                 <a:solidFill>
                   <a:srgbClr val="000066"/>
                 </a:solidFill>
-                <a:latin typeface="微軟正黑體" pitchFamily="34" charset="-120"/>
-                <a:ea typeface="微軟正黑體" pitchFamily="34" charset="-120"/>
+                <a:ea typeface="Microsoft JhengHei" panose="020B0604030504040204" pitchFamily="34" charset="-120"/>
               </a:rPr>
-              <a:t>人間</a:t>
-            </a:r>
-            <a:r>
-              <a:rPr lang="zh-TW" altLang="en-US" sz="5400" b="1" dirty="0" smtClean="0">
+              <a:t>( </a:t>
+            </a:r>
+            <a:r>
+              <a:rPr lang="en-US" altLang="zh-CN" sz="3200" b="1" dirty="0">
                 <a:solidFill>
                   <a:srgbClr val="000066"/>
                 </a:solidFill>
-                <a:latin typeface="微軟正黑體" pitchFamily="34" charset="-120"/>
-                <a:ea typeface="微軟正黑體" pitchFamily="34" charset="-120"/>
+                <a:ea typeface="Microsoft JhengHei" panose="020B0604030504040204" pitchFamily="34" charset="-120"/>
               </a:rPr>
-              <a:t>苦楚</a:t>
-            </a:r>
-            <a:endParaRPr lang="en-US" altLang="zh-TW" sz="5400" b="1" dirty="0">
+              <a:t>1 / 4</a:t>
+            </a:r>
+            <a:r>
+              <a:rPr lang="en-US" sz="3200" b="1" dirty="0">
+                <a:solidFill>
+                  <a:srgbClr val="000066"/>
+                </a:solidFill>
+                <a:ea typeface="Microsoft JhengHei" panose="020B0604030504040204" pitchFamily="34" charset="-120"/>
+              </a:rPr>
+              <a:t> )</a:t>
+            </a:r>
+            <a:endParaRPr lang="vi-VN" sz="3200" b="1" dirty="0">
               <a:solidFill>
                 <a:srgbClr val="000066"/>
               </a:solidFill>
-              <a:latin typeface="微軟正黑體" pitchFamily="34" charset="-120"/>
-              <a:ea typeface="微軟正黑體" pitchFamily="34" charset="-120"/>
+              <a:ea typeface="Microsoft JhengHei" panose="020B0604030504040204" pitchFamily="34" charset="-120"/>
             </a:endParaRPr>
           </a:p>
-          <a:p>
-            <a:pPr algn="ctr">
-              <a:buNone/>
-            </a:pPr>
-            <a:r>
-              <a:rPr lang="zh-TW" altLang="en-US" sz="5400" b="1" dirty="0" smtClean="0">
-                <a:solidFill>
-                  <a:srgbClr val="000066"/>
-                </a:solidFill>
-                <a:latin typeface="微軟正黑體" pitchFamily="34" charset="-120"/>
-                <a:ea typeface="微軟正黑體" pitchFamily="34" charset="-120"/>
-              </a:rPr>
-              <a:t>此</a:t>
-            </a:r>
-            <a:r>
-              <a:rPr lang="zh-TW" altLang="en-US" sz="5400" b="1" dirty="0">
-                <a:solidFill>
-                  <a:srgbClr val="000066"/>
-                </a:solidFill>
-                <a:latin typeface="微軟正黑體" pitchFamily="34" charset="-120"/>
-                <a:ea typeface="微軟正黑體" pitchFamily="34" charset="-120"/>
-              </a:rPr>
-              <a:t>恩領我平安</a:t>
-            </a:r>
-            <a:r>
-              <a:rPr lang="zh-TW" altLang="en-US" sz="5400" b="1" dirty="0" smtClean="0">
-                <a:solidFill>
-                  <a:srgbClr val="000066"/>
-                </a:solidFill>
-                <a:latin typeface="微軟正黑體" pitchFamily="34" charset="-120"/>
-                <a:ea typeface="微軟正黑體" pitchFamily="34" charset="-120"/>
-              </a:rPr>
-              <a:t>渡過</a:t>
-            </a:r>
-            <a:endParaRPr lang="en-US" altLang="zh-TW" sz="5400" b="1" dirty="0" smtClean="0">
-              <a:solidFill>
-                <a:srgbClr val="000066"/>
-              </a:solidFill>
-              <a:latin typeface="微軟正黑體" pitchFamily="34" charset="-120"/>
-              <a:ea typeface="微軟正黑體" pitchFamily="34" charset="-120"/>
-            </a:endParaRPr>
-          </a:p>
-          <a:p>
-            <a:pPr algn="ctr">
-              <a:buNone/>
-            </a:pPr>
-            <a:r>
-              <a:rPr lang="zh-TW" altLang="en-US" sz="5400" b="1" dirty="0" smtClean="0">
-                <a:solidFill>
-                  <a:srgbClr val="000066"/>
-                </a:solidFill>
-                <a:latin typeface="微軟正黑體" pitchFamily="34" charset="-120"/>
-                <a:ea typeface="微軟正黑體" pitchFamily="34" charset="-120"/>
-              </a:rPr>
-              <a:t>他日</a:t>
-            </a:r>
-            <a:r>
-              <a:rPr lang="zh-TW" altLang="en-US" sz="5400" b="1" dirty="0">
-                <a:solidFill>
-                  <a:srgbClr val="000066"/>
-                </a:solidFill>
-                <a:latin typeface="微軟正黑體" pitchFamily="34" charset="-120"/>
-                <a:ea typeface="微軟正黑體" pitchFamily="34" charset="-120"/>
-              </a:rPr>
-              <a:t>歸回天府</a:t>
-            </a:r>
-          </a:p>
         </p:txBody>
       </p:sp>
     </p:spTree>
+    <p:extLst>
+      <p:ext uri="{BB962C8B-B14F-4D97-AF65-F5344CB8AC3E}">
+        <p14:creationId xmlns:p14="http://schemas.microsoft.com/office/powerpoint/2010/main" val="2790115031"/>
+      </p:ext>
+    </p:extLst>
   </p:cSld>
   <p:clrMapOvr>
     <a:masterClrMapping/>
@@ -3769,73 +3439,40 @@
       </p:grpSpPr>
       <p:sp>
         <p:nvSpPr>
-          <p:cNvPr id="4" name="標題 3"/>
-          <p:cNvSpPr>
-            <a:spLocks noGrp="1"/>
-          </p:cNvSpPr>
-          <p:nvPr>
-            <p:ph type="title"/>
-          </p:nvPr>
-        </p:nvSpPr>
-        <p:spPr/>
-        <p:txBody>
-          <a:bodyPr/>
-          <a:lstStyle/>
-          <a:p>
-            <a:r>
-              <a:rPr lang="zh-TW" altLang="en-US" b="1" dirty="0">
+          <p:cNvPr id="5" name="內容版面配置區 4"/>
+          <p:cNvSpPr>
+            <a:spLocks noGrp="1"/>
+          </p:cNvSpPr>
+          <p:nvPr>
+            <p:ph idx="1"/>
+          </p:nvPr>
+        </p:nvSpPr>
+        <p:spPr>
+          <a:xfrm>
+            <a:off x="0" y="2084851"/>
+            <a:ext cx="12192000" cy="2404863"/>
+          </a:xfrm>
+        </p:spPr>
+        <p:txBody>
+          <a:bodyPr anchor="ctr">
+            <a:normAutofit/>
+          </a:bodyPr>
+          <a:lstStyle/>
+          <a:p>
+            <a:pPr algn="ctr">
+              <a:buNone/>
+            </a:pPr>
+            <a:r>
+              <a:rPr lang="zh-TW" altLang="en-US" sz="6400" b="1" dirty="0">
                 <a:solidFill>
                   <a:srgbClr val="000066"/>
                 </a:solidFill>
                 <a:latin typeface="微軟正黑體" pitchFamily="34" charset="-120"/>
                 <a:ea typeface="微軟正黑體" pitchFamily="34" charset="-120"/>
               </a:rPr>
-              <a:t>奇異恩典</a:t>
-            </a:r>
-          </a:p>
-        </p:txBody>
-      </p:sp>
-      <p:sp>
-        <p:nvSpPr>
-          <p:cNvPr id="5" name="內容版面配置區 4"/>
-          <p:cNvSpPr>
-            <a:spLocks noGrp="1"/>
-          </p:cNvSpPr>
-          <p:nvPr>
-            <p:ph idx="1"/>
-          </p:nvPr>
-        </p:nvSpPr>
-        <p:spPr/>
-        <p:txBody>
-          <a:bodyPr>
-            <a:normAutofit/>
-          </a:bodyPr>
-          <a:lstStyle/>
-          <a:p>
-            <a:pPr algn="ctr">
-              <a:buNone/>
-            </a:pPr>
-            <a:r>
-              <a:rPr lang="zh-TW" altLang="en-US" sz="5400" b="1" dirty="0">
-                <a:solidFill>
-                  <a:srgbClr val="000066"/>
-                </a:solidFill>
-                <a:latin typeface="微軟正黑體" pitchFamily="34" charset="-120"/>
-                <a:ea typeface="微軟正黑體" pitchFamily="34" charset="-120"/>
-              </a:rPr>
-              <a:t>將來在天安居</a:t>
-            </a:r>
-            <a:r>
-              <a:rPr lang="zh-TW" altLang="en-US" sz="5400" b="1" dirty="0" smtClean="0">
-                <a:solidFill>
-                  <a:srgbClr val="000066"/>
-                </a:solidFill>
-                <a:latin typeface="微軟正黑體" pitchFamily="34" charset="-120"/>
-                <a:ea typeface="微軟正黑體" pitchFamily="34" charset="-120"/>
-              </a:rPr>
-              <a:t>萬年</a:t>
-            </a:r>
-            <a:endParaRPr lang="en-US" altLang="zh-TW" sz="5400" b="1" dirty="0" smtClean="0">
+              <a:t>浩大恩典  使我敬畏</a:t>
+            </a:r>
+            <a:endParaRPr lang="en-US" altLang="zh-TW" sz="6400" b="1" dirty="0">
               <a:solidFill>
                 <a:srgbClr val="000066"/>
               </a:solidFill>
@@ -3848,36 +3485,16 @@
               <a:buNone/>
             </a:pPr>
             <a:r>
-              <a:rPr lang="zh-TW" altLang="en-US" sz="5400" b="1" dirty="0" smtClean="0">
+              <a:rPr lang="zh-TW" altLang="en-US" sz="6400" b="1" dirty="0">
                 <a:solidFill>
                   <a:srgbClr val="000066"/>
                 </a:solidFill>
                 <a:latin typeface="微軟正黑體" pitchFamily="34" charset="-120"/>
                 <a:ea typeface="微軟正黑體" pitchFamily="34" charset="-120"/>
               </a:rPr>
-              <a:t>恩</a:t>
-            </a:r>
-            <a:r>
-              <a:rPr lang="zh-TW" altLang="en-US" sz="5400" b="1" dirty="0">
-                <a:solidFill>
-                  <a:srgbClr val="000066"/>
-                </a:solidFill>
-                <a:latin typeface="微軟正黑體" pitchFamily="34" charset="-120"/>
-                <a:ea typeface="微軟正黑體" pitchFamily="34" charset="-120"/>
-              </a:rPr>
-              <a:t>光如日</a:t>
-            </a:r>
-            <a:r>
-              <a:rPr lang="zh-TW" altLang="en-US" sz="5400" b="1" dirty="0" smtClean="0">
-                <a:solidFill>
-                  <a:srgbClr val="000066"/>
-                </a:solidFill>
-                <a:latin typeface="微軟正黑體" pitchFamily="34" charset="-120"/>
-                <a:ea typeface="微軟正黑體" pitchFamily="34" charset="-120"/>
-              </a:rPr>
-              <a:t>普照</a:t>
-            </a:r>
-            <a:endParaRPr lang="en-US" altLang="zh-TW" sz="5400" b="1" dirty="0">
+              <a:t>使我心得安慰</a:t>
+            </a:r>
+            <a:endParaRPr lang="en-US" altLang="zh-TW" sz="6400" b="1" dirty="0">
               <a:solidFill>
                 <a:srgbClr val="000066"/>
               </a:solidFill>
@@ -3885,41 +3502,133 @@
               <a:ea typeface="微軟正黑體" pitchFamily="34" charset="-120"/>
             </a:endParaRPr>
           </a:p>
+        </p:txBody>
+      </p:sp>
+      <p:sp>
+        <p:nvSpPr>
+          <p:cNvPr id="3" name="TextBox 2"/>
+          <p:cNvSpPr txBox="1"/>
+          <p:nvPr/>
+        </p:nvSpPr>
+        <p:spPr>
+          <a:xfrm>
+            <a:off x="0" y="5157193"/>
+            <a:ext cx="12192000" cy="584775"/>
+          </a:xfrm>
+          <a:prstGeom prst="rect">
+            <a:avLst/>
+          </a:prstGeom>
+          <a:noFill/>
+        </p:spPr>
+        <p:txBody>
+          <a:bodyPr wrap="square" rtlCol="0">
+            <a:spAutoFit/>
+          </a:bodyPr>
+          <a:lstStyle/>
+          <a:p>
+            <a:pPr algn="ctr"/>
+            <a:r>
+              <a:rPr lang="en-US" sz="3200" b="1" dirty="0">
+                <a:solidFill>
+                  <a:srgbClr val="000066"/>
+                </a:solidFill>
+                <a:ea typeface="Microsoft JhengHei" panose="020B0604030504040204" pitchFamily="34" charset="-120"/>
+              </a:rPr>
+              <a:t>( </a:t>
+            </a:r>
+            <a:r>
+              <a:rPr lang="en-US" altLang="zh-CN" sz="3200" b="1" dirty="0">
+                <a:solidFill>
+                  <a:srgbClr val="000066"/>
+                </a:solidFill>
+                <a:ea typeface="Microsoft JhengHei" panose="020B0604030504040204" pitchFamily="34" charset="-120"/>
+              </a:rPr>
+              <a:t>2 / 4</a:t>
+            </a:r>
+            <a:r>
+              <a:rPr lang="en-US" sz="3200" b="1" dirty="0">
+                <a:solidFill>
+                  <a:srgbClr val="000066"/>
+                </a:solidFill>
+                <a:ea typeface="Microsoft JhengHei" panose="020B0604030504040204" pitchFamily="34" charset="-120"/>
+              </a:rPr>
+              <a:t> )</a:t>
+            </a:r>
+            <a:endParaRPr lang="vi-VN" sz="3200" b="1" dirty="0">
+              <a:solidFill>
+                <a:srgbClr val="000066"/>
+              </a:solidFill>
+              <a:ea typeface="Microsoft JhengHei" panose="020B0604030504040204" pitchFamily="34" charset="-120"/>
+            </a:endParaRPr>
+          </a:p>
+        </p:txBody>
+      </p:sp>
+    </p:spTree>
+    <p:extLst>
+      <p:ext uri="{BB962C8B-B14F-4D97-AF65-F5344CB8AC3E}">
+        <p14:creationId xmlns:p14="http://schemas.microsoft.com/office/powerpoint/2010/main" val="3228254917"/>
+      </p:ext>
+    </p:extLst>
+  </p:cSld>
+  <p:clrMapOvr>
+    <a:masterClrMapping/>
+  </p:clrMapOvr>
+</p:sld>
+</file>
+
+<file path=ppt/slides/slide5.xml><?xml version="1.0" encoding="utf-8"?>
+<p:sld xmlns:a="http://schemas.openxmlformats.org/drawingml/2006/main" xmlns:r="http://schemas.openxmlformats.org/officeDocument/2006/relationships" xmlns:p="http://schemas.openxmlformats.org/presentationml/2006/main">
+  <p:cSld>
+    <p:spTree>
+      <p:nvGrpSpPr>
+        <p:cNvPr id="1" name=""/>
+        <p:cNvGrpSpPr/>
+        <p:nvPr/>
+      </p:nvGrpSpPr>
+      <p:grpSpPr>
+        <a:xfrm>
+          <a:off x="0" y="0"/>
+          <a:ext cx="0" cy="0"/>
+          <a:chOff x="0" y="0"/>
+          <a:chExt cx="0" cy="0"/>
+        </a:xfrm>
+      </p:grpSpPr>
+      <p:sp>
+        <p:nvSpPr>
+          <p:cNvPr id="5" name="內容版面配置區 4"/>
+          <p:cNvSpPr>
+            <a:spLocks noGrp="1"/>
+          </p:cNvSpPr>
+          <p:nvPr>
+            <p:ph idx="1"/>
+          </p:nvPr>
+        </p:nvSpPr>
+        <p:spPr>
+          <a:xfrm>
+            <a:off x="0" y="2084851"/>
+            <a:ext cx="12192000" cy="2404863"/>
+          </a:xfrm>
+        </p:spPr>
+        <p:txBody>
+          <a:bodyPr anchor="ctr">
+            <a:normAutofit/>
+          </a:bodyPr>
+          <a:lstStyle/>
           <a:p>
             <a:pPr algn="ctr">
               <a:buNone/>
             </a:pPr>
             <a:r>
-              <a:rPr lang="zh-TW" altLang="en-US" sz="5400" b="1" dirty="0" smtClean="0">
+              <a:rPr lang="zh-TW" altLang="en-US" sz="6400" b="1" dirty="0">
                 <a:solidFill>
                   <a:srgbClr val="000066"/>
                 </a:solidFill>
                 <a:latin typeface="微軟正黑體" pitchFamily="34" charset="-120"/>
                 <a:ea typeface="微軟正黑體" pitchFamily="34" charset="-120"/>
               </a:rPr>
-              <a:t>好像</a:t>
-            </a:r>
-            <a:r>
-              <a:rPr lang="zh-TW" altLang="en-US" sz="5400" b="1" dirty="0">
-                <a:solidFill>
-                  <a:srgbClr val="000066"/>
-                </a:solidFill>
-                <a:latin typeface="微軟正黑體" pitchFamily="34" charset="-120"/>
-                <a:ea typeface="微軟正黑體" pitchFamily="34" charset="-120"/>
-              </a:rPr>
-              <a:t>最初蒙恩</a:t>
-            </a:r>
-            <a:r>
-              <a:rPr lang="zh-TW" altLang="en-US" sz="5400" b="1" dirty="0" smtClean="0">
-                <a:solidFill>
-                  <a:srgbClr val="000066"/>
-                </a:solidFill>
-                <a:latin typeface="微軟正黑體" pitchFamily="34" charset="-120"/>
-                <a:ea typeface="微軟正黑體" pitchFamily="34" charset="-120"/>
-              </a:rPr>
-              <a:t>景況</a:t>
-            </a:r>
-            <a:endParaRPr lang="en-US" altLang="zh-TW" sz="5400" b="1" dirty="0" smtClean="0">
+              <a:t>初信之時  即蒙恩惠</a:t>
+            </a:r>
+            <a:endParaRPr lang="en-US" altLang="zh-TW" sz="6400" b="1" dirty="0">
               <a:solidFill>
                 <a:srgbClr val="000066"/>
               </a:solidFill>
@@ -3932,29 +3641,693 @@
               <a:buNone/>
             </a:pPr>
             <a:r>
-              <a:rPr lang="zh-TW" altLang="en-US" sz="5400" b="1" dirty="0" smtClean="0">
+              <a:rPr lang="zh-TW" altLang="en-US" sz="6400" b="1" dirty="0">
                 <a:solidFill>
                   <a:srgbClr val="000066"/>
                 </a:solidFill>
                 <a:latin typeface="微軟正黑體" pitchFamily="34" charset="-120"/>
                 <a:ea typeface="微軟正黑體" pitchFamily="34" charset="-120"/>
               </a:rPr>
-              <a:t>讚美</a:t>
-            </a:r>
-            <a:r>
-              <a:rPr lang="zh-TW" altLang="en-US" sz="5400" b="1" dirty="0">
+              <a:t>真是何等寶貴</a:t>
+            </a:r>
+          </a:p>
+        </p:txBody>
+      </p:sp>
+      <p:sp>
+        <p:nvSpPr>
+          <p:cNvPr id="3" name="TextBox 2"/>
+          <p:cNvSpPr txBox="1"/>
+          <p:nvPr/>
+        </p:nvSpPr>
+        <p:spPr>
+          <a:xfrm>
+            <a:off x="0" y="5157193"/>
+            <a:ext cx="12192000" cy="584775"/>
+          </a:xfrm>
+          <a:prstGeom prst="rect">
+            <a:avLst/>
+          </a:prstGeom>
+          <a:noFill/>
+        </p:spPr>
+        <p:txBody>
+          <a:bodyPr wrap="square" rtlCol="0">
+            <a:spAutoFit/>
+          </a:bodyPr>
+          <a:lstStyle/>
+          <a:p>
+            <a:pPr algn="ctr"/>
+            <a:r>
+              <a:rPr lang="en-US" sz="3200" b="1" dirty="0">
+                <a:solidFill>
+                  <a:srgbClr val="000066"/>
+                </a:solidFill>
+                <a:ea typeface="Microsoft JhengHei" panose="020B0604030504040204" pitchFamily="34" charset="-120"/>
+              </a:rPr>
+              <a:t>( </a:t>
+            </a:r>
+            <a:r>
+              <a:rPr lang="en-US" altLang="zh-CN" sz="3200" b="1" dirty="0">
+                <a:solidFill>
+                  <a:srgbClr val="000066"/>
+                </a:solidFill>
+                <a:ea typeface="Microsoft JhengHei" panose="020B0604030504040204" pitchFamily="34" charset="-120"/>
+              </a:rPr>
+              <a:t>2 / 4</a:t>
+            </a:r>
+            <a:r>
+              <a:rPr lang="en-US" sz="3200" b="1" dirty="0">
+                <a:solidFill>
+                  <a:srgbClr val="000066"/>
+                </a:solidFill>
+                <a:ea typeface="Microsoft JhengHei" panose="020B0604030504040204" pitchFamily="34" charset="-120"/>
+              </a:rPr>
+              <a:t> )</a:t>
+            </a:r>
+            <a:endParaRPr lang="vi-VN" sz="3200" b="1" dirty="0">
+              <a:solidFill>
+                <a:srgbClr val="000066"/>
+              </a:solidFill>
+              <a:ea typeface="Microsoft JhengHei" panose="020B0604030504040204" pitchFamily="34" charset="-120"/>
+            </a:endParaRPr>
+          </a:p>
+        </p:txBody>
+      </p:sp>
+    </p:spTree>
+    <p:extLst>
+      <p:ext uri="{BB962C8B-B14F-4D97-AF65-F5344CB8AC3E}">
+        <p14:creationId xmlns:p14="http://schemas.microsoft.com/office/powerpoint/2010/main" val="2575523424"/>
+      </p:ext>
+    </p:extLst>
+  </p:cSld>
+  <p:clrMapOvr>
+    <a:masterClrMapping/>
+  </p:clrMapOvr>
+</p:sld>
+</file>
+
+<file path=ppt/slides/slide6.xml><?xml version="1.0" encoding="utf-8"?>
+<p:sld xmlns:a="http://schemas.openxmlformats.org/drawingml/2006/main" xmlns:r="http://schemas.openxmlformats.org/officeDocument/2006/relationships" xmlns:p="http://schemas.openxmlformats.org/presentationml/2006/main">
+  <p:cSld>
+    <p:spTree>
+      <p:nvGrpSpPr>
+        <p:cNvPr id="1" name=""/>
+        <p:cNvGrpSpPr/>
+        <p:nvPr/>
+      </p:nvGrpSpPr>
+      <p:grpSpPr>
+        <a:xfrm>
+          <a:off x="0" y="0"/>
+          <a:ext cx="0" cy="0"/>
+          <a:chOff x="0" y="0"/>
+          <a:chExt cx="0" cy="0"/>
+        </a:xfrm>
+      </p:grpSpPr>
+      <p:sp>
+        <p:nvSpPr>
+          <p:cNvPr id="5" name="內容版面配置區 4"/>
+          <p:cNvSpPr>
+            <a:spLocks noGrp="1"/>
+          </p:cNvSpPr>
+          <p:nvPr>
+            <p:ph idx="1"/>
+          </p:nvPr>
+        </p:nvSpPr>
+        <p:spPr>
+          <a:xfrm>
+            <a:off x="0" y="2084851"/>
+            <a:ext cx="12192000" cy="2404863"/>
+          </a:xfrm>
+        </p:spPr>
+        <p:txBody>
+          <a:bodyPr anchor="ctr">
+            <a:normAutofit/>
+          </a:bodyPr>
+          <a:lstStyle/>
+          <a:p>
+            <a:pPr algn="ctr">
+              <a:buNone/>
+            </a:pPr>
+            <a:r>
+              <a:rPr lang="zh-TW" altLang="en-US" sz="6400" b="1" dirty="0">
                 <a:solidFill>
                   <a:srgbClr val="000066"/>
                 </a:solidFill>
                 <a:latin typeface="微軟正黑體" pitchFamily="34" charset="-120"/>
                 <a:ea typeface="微軟正黑體" pitchFamily="34" charset="-120"/>
               </a:rPr>
-              <a:t>永不減少</a:t>
-            </a:r>
+              <a:t>經過許多危險網羅</a:t>
+            </a:r>
+            <a:endParaRPr lang="en-US" altLang="zh-TW" sz="6400" b="1" dirty="0">
+              <a:solidFill>
+                <a:srgbClr val="000066"/>
+              </a:solidFill>
+              <a:latin typeface="微軟正黑體" pitchFamily="34" charset="-120"/>
+              <a:ea typeface="微軟正黑體" pitchFamily="34" charset="-120"/>
+            </a:endParaRPr>
+          </a:p>
+          <a:p>
+            <a:pPr algn="ctr">
+              <a:buNone/>
+            </a:pPr>
+            <a:r>
+              <a:rPr lang="zh-TW" altLang="en-US" sz="6400" b="1" dirty="0">
+                <a:solidFill>
+                  <a:srgbClr val="000066"/>
+                </a:solidFill>
+                <a:latin typeface="微軟正黑體" pitchFamily="34" charset="-120"/>
+                <a:ea typeface="微軟正黑體" pitchFamily="34" charset="-120"/>
+              </a:rPr>
+              <a:t>飽受人間苦楚</a:t>
+            </a:r>
+            <a:endParaRPr lang="en-US" altLang="zh-TW" sz="6400" b="1" dirty="0">
+              <a:solidFill>
+                <a:srgbClr val="000066"/>
+              </a:solidFill>
+              <a:latin typeface="微軟正黑體" pitchFamily="34" charset="-120"/>
+              <a:ea typeface="微軟正黑體" pitchFamily="34" charset="-120"/>
+            </a:endParaRPr>
+          </a:p>
+        </p:txBody>
+      </p:sp>
+      <p:sp>
+        <p:nvSpPr>
+          <p:cNvPr id="3" name="TextBox 2"/>
+          <p:cNvSpPr txBox="1"/>
+          <p:nvPr/>
+        </p:nvSpPr>
+        <p:spPr>
+          <a:xfrm>
+            <a:off x="0" y="5157193"/>
+            <a:ext cx="12192000" cy="584775"/>
+          </a:xfrm>
+          <a:prstGeom prst="rect">
+            <a:avLst/>
+          </a:prstGeom>
+          <a:noFill/>
+        </p:spPr>
+        <p:txBody>
+          <a:bodyPr wrap="square" rtlCol="0">
+            <a:spAutoFit/>
+          </a:bodyPr>
+          <a:lstStyle/>
+          <a:p>
+            <a:pPr algn="ctr"/>
+            <a:r>
+              <a:rPr lang="en-US" sz="3200" b="1" dirty="0">
+                <a:solidFill>
+                  <a:srgbClr val="000066"/>
+                </a:solidFill>
+                <a:ea typeface="Microsoft JhengHei" panose="020B0604030504040204" pitchFamily="34" charset="-120"/>
+              </a:rPr>
+              <a:t>( </a:t>
+            </a:r>
+            <a:r>
+              <a:rPr lang="en-US" altLang="zh-CN" sz="3200" b="1" dirty="0">
+                <a:solidFill>
+                  <a:srgbClr val="000066"/>
+                </a:solidFill>
+                <a:ea typeface="Microsoft JhengHei" panose="020B0604030504040204" pitchFamily="34" charset="-120"/>
+              </a:rPr>
+              <a:t>3 / 4</a:t>
+            </a:r>
+            <a:r>
+              <a:rPr lang="en-US" sz="3200" b="1" dirty="0">
+                <a:solidFill>
+                  <a:srgbClr val="000066"/>
+                </a:solidFill>
+                <a:ea typeface="Microsoft JhengHei" panose="020B0604030504040204" pitchFamily="34" charset="-120"/>
+              </a:rPr>
+              <a:t> )</a:t>
+            </a:r>
+            <a:endParaRPr lang="vi-VN" sz="3200" b="1" dirty="0">
+              <a:solidFill>
+                <a:srgbClr val="000066"/>
+              </a:solidFill>
+              <a:ea typeface="Microsoft JhengHei" panose="020B0604030504040204" pitchFamily="34" charset="-120"/>
+            </a:endParaRPr>
           </a:p>
         </p:txBody>
       </p:sp>
     </p:spTree>
+    <p:extLst>
+      <p:ext uri="{BB962C8B-B14F-4D97-AF65-F5344CB8AC3E}">
+        <p14:creationId xmlns:p14="http://schemas.microsoft.com/office/powerpoint/2010/main" val="3778651862"/>
+      </p:ext>
+    </p:extLst>
+  </p:cSld>
+  <p:clrMapOvr>
+    <a:masterClrMapping/>
+  </p:clrMapOvr>
+</p:sld>
+</file>
+
+<file path=ppt/slides/slide7.xml><?xml version="1.0" encoding="utf-8"?>
+<p:sld xmlns:a="http://schemas.openxmlformats.org/drawingml/2006/main" xmlns:r="http://schemas.openxmlformats.org/officeDocument/2006/relationships" xmlns:p="http://schemas.openxmlformats.org/presentationml/2006/main">
+  <p:cSld>
+    <p:spTree>
+      <p:nvGrpSpPr>
+        <p:cNvPr id="1" name=""/>
+        <p:cNvGrpSpPr/>
+        <p:nvPr/>
+      </p:nvGrpSpPr>
+      <p:grpSpPr>
+        <a:xfrm>
+          <a:off x="0" y="0"/>
+          <a:ext cx="0" cy="0"/>
+          <a:chOff x="0" y="0"/>
+          <a:chExt cx="0" cy="0"/>
+        </a:xfrm>
+      </p:grpSpPr>
+      <p:sp>
+        <p:nvSpPr>
+          <p:cNvPr id="5" name="內容版面配置區 4"/>
+          <p:cNvSpPr>
+            <a:spLocks noGrp="1"/>
+          </p:cNvSpPr>
+          <p:nvPr>
+            <p:ph idx="1"/>
+          </p:nvPr>
+        </p:nvSpPr>
+        <p:spPr>
+          <a:xfrm>
+            <a:off x="0" y="2084851"/>
+            <a:ext cx="12192000" cy="2404863"/>
+          </a:xfrm>
+        </p:spPr>
+        <p:txBody>
+          <a:bodyPr anchor="ctr">
+            <a:normAutofit/>
+          </a:bodyPr>
+          <a:lstStyle/>
+          <a:p>
+            <a:pPr algn="ctr">
+              <a:buNone/>
+            </a:pPr>
+            <a:r>
+              <a:rPr lang="zh-TW" altLang="en-US" sz="6400" b="1" dirty="0">
+                <a:solidFill>
+                  <a:srgbClr val="000066"/>
+                </a:solidFill>
+                <a:latin typeface="微軟正黑體" pitchFamily="34" charset="-120"/>
+                <a:ea typeface="微軟正黑體" pitchFamily="34" charset="-120"/>
+              </a:rPr>
+              <a:t>此恩領我平安渡過</a:t>
+            </a:r>
+            <a:endParaRPr lang="en-US" altLang="zh-TW" sz="6400" b="1" dirty="0">
+              <a:solidFill>
+                <a:srgbClr val="000066"/>
+              </a:solidFill>
+              <a:latin typeface="微軟正黑體" pitchFamily="34" charset="-120"/>
+              <a:ea typeface="微軟正黑體" pitchFamily="34" charset="-120"/>
+            </a:endParaRPr>
+          </a:p>
+          <a:p>
+            <a:pPr algn="ctr">
+              <a:buNone/>
+            </a:pPr>
+            <a:r>
+              <a:rPr lang="zh-TW" altLang="en-US" sz="6400" b="1" dirty="0">
+                <a:solidFill>
+                  <a:srgbClr val="000066"/>
+                </a:solidFill>
+                <a:latin typeface="微軟正黑體" pitchFamily="34" charset="-120"/>
+                <a:ea typeface="微軟正黑體" pitchFamily="34" charset="-120"/>
+              </a:rPr>
+              <a:t>他日歸回天府</a:t>
+            </a:r>
+          </a:p>
+        </p:txBody>
+      </p:sp>
+      <p:sp>
+        <p:nvSpPr>
+          <p:cNvPr id="3" name="TextBox 2"/>
+          <p:cNvSpPr txBox="1"/>
+          <p:nvPr/>
+        </p:nvSpPr>
+        <p:spPr>
+          <a:xfrm>
+            <a:off x="0" y="5157193"/>
+            <a:ext cx="12192000" cy="584775"/>
+          </a:xfrm>
+          <a:prstGeom prst="rect">
+            <a:avLst/>
+          </a:prstGeom>
+          <a:noFill/>
+        </p:spPr>
+        <p:txBody>
+          <a:bodyPr wrap="square" rtlCol="0">
+            <a:spAutoFit/>
+          </a:bodyPr>
+          <a:lstStyle/>
+          <a:p>
+            <a:pPr algn="ctr"/>
+            <a:r>
+              <a:rPr lang="en-US" sz="3200" b="1" dirty="0">
+                <a:solidFill>
+                  <a:srgbClr val="000066"/>
+                </a:solidFill>
+                <a:ea typeface="Microsoft JhengHei" panose="020B0604030504040204" pitchFamily="34" charset="-120"/>
+              </a:rPr>
+              <a:t>( </a:t>
+            </a:r>
+            <a:r>
+              <a:rPr lang="en-US" altLang="zh-CN" sz="3200" b="1" dirty="0">
+                <a:solidFill>
+                  <a:srgbClr val="000066"/>
+                </a:solidFill>
+                <a:ea typeface="Microsoft JhengHei" panose="020B0604030504040204" pitchFamily="34" charset="-120"/>
+              </a:rPr>
+              <a:t>3 / 4</a:t>
+            </a:r>
+            <a:r>
+              <a:rPr lang="en-US" sz="3200" b="1" dirty="0">
+                <a:solidFill>
+                  <a:srgbClr val="000066"/>
+                </a:solidFill>
+                <a:ea typeface="Microsoft JhengHei" panose="020B0604030504040204" pitchFamily="34" charset="-120"/>
+              </a:rPr>
+              <a:t> )</a:t>
+            </a:r>
+            <a:endParaRPr lang="vi-VN" sz="3200" b="1" dirty="0">
+              <a:solidFill>
+                <a:srgbClr val="000066"/>
+              </a:solidFill>
+              <a:ea typeface="Microsoft JhengHei" panose="020B0604030504040204" pitchFamily="34" charset="-120"/>
+            </a:endParaRPr>
+          </a:p>
+        </p:txBody>
+      </p:sp>
+    </p:spTree>
+    <p:extLst>
+      <p:ext uri="{BB962C8B-B14F-4D97-AF65-F5344CB8AC3E}">
+        <p14:creationId xmlns:p14="http://schemas.microsoft.com/office/powerpoint/2010/main" val="279314894"/>
+      </p:ext>
+    </p:extLst>
+  </p:cSld>
+  <p:clrMapOvr>
+    <a:masterClrMapping/>
+  </p:clrMapOvr>
+</p:sld>
+</file>
+
+<file path=ppt/slides/slide8.xml><?xml version="1.0" encoding="utf-8"?>
+<p:sld xmlns:a="http://schemas.openxmlformats.org/drawingml/2006/main" xmlns:r="http://schemas.openxmlformats.org/officeDocument/2006/relationships" xmlns:p="http://schemas.openxmlformats.org/presentationml/2006/main">
+  <p:cSld>
+    <p:spTree>
+      <p:nvGrpSpPr>
+        <p:cNvPr id="1" name=""/>
+        <p:cNvGrpSpPr/>
+        <p:nvPr/>
+      </p:nvGrpSpPr>
+      <p:grpSpPr>
+        <a:xfrm>
+          <a:off x="0" y="0"/>
+          <a:ext cx="0" cy="0"/>
+          <a:chOff x="0" y="0"/>
+          <a:chExt cx="0" cy="0"/>
+        </a:xfrm>
+      </p:grpSpPr>
+      <p:sp>
+        <p:nvSpPr>
+          <p:cNvPr id="5" name="內容版面配置區 4"/>
+          <p:cNvSpPr>
+            <a:spLocks noGrp="1"/>
+          </p:cNvSpPr>
+          <p:nvPr>
+            <p:ph idx="1"/>
+          </p:nvPr>
+        </p:nvSpPr>
+        <p:spPr>
+          <a:xfrm>
+            <a:off x="0" y="2084851"/>
+            <a:ext cx="12192000" cy="2404863"/>
+          </a:xfrm>
+        </p:spPr>
+        <p:txBody>
+          <a:bodyPr anchor="ctr">
+            <a:normAutofit/>
+          </a:bodyPr>
+          <a:lstStyle/>
+          <a:p>
+            <a:pPr algn="ctr">
+              <a:buNone/>
+            </a:pPr>
+            <a:r>
+              <a:rPr lang="zh-TW" altLang="en-US" sz="6400" b="1" dirty="0">
+                <a:solidFill>
+                  <a:srgbClr val="000066"/>
+                </a:solidFill>
+                <a:latin typeface="微軟正黑體" pitchFamily="34" charset="-120"/>
+                <a:ea typeface="微軟正黑體" pitchFamily="34" charset="-120"/>
+              </a:rPr>
+              <a:t>將來在天安居萬年</a:t>
+            </a:r>
+            <a:endParaRPr lang="en-US" altLang="zh-TW" sz="6400" b="1" dirty="0">
+              <a:solidFill>
+                <a:srgbClr val="000066"/>
+              </a:solidFill>
+              <a:latin typeface="微軟正黑體" pitchFamily="34" charset="-120"/>
+              <a:ea typeface="微軟正黑體" pitchFamily="34" charset="-120"/>
+            </a:endParaRPr>
+          </a:p>
+          <a:p>
+            <a:pPr algn="ctr">
+              <a:buNone/>
+            </a:pPr>
+            <a:r>
+              <a:rPr lang="zh-TW" altLang="en-US" sz="6400" b="1" dirty="0">
+                <a:solidFill>
+                  <a:srgbClr val="000066"/>
+                </a:solidFill>
+                <a:latin typeface="微軟正黑體" pitchFamily="34" charset="-120"/>
+                <a:ea typeface="微軟正黑體" pitchFamily="34" charset="-120"/>
+              </a:rPr>
+              <a:t>恩光如日普照</a:t>
+            </a:r>
+            <a:endParaRPr lang="en-US" altLang="zh-TW" sz="6400" b="1" dirty="0">
+              <a:solidFill>
+                <a:srgbClr val="000066"/>
+              </a:solidFill>
+              <a:latin typeface="微軟正黑體" pitchFamily="34" charset="-120"/>
+              <a:ea typeface="微軟正黑體" pitchFamily="34" charset="-120"/>
+            </a:endParaRPr>
+          </a:p>
+        </p:txBody>
+      </p:sp>
+      <p:sp>
+        <p:nvSpPr>
+          <p:cNvPr id="3" name="TextBox 2"/>
+          <p:cNvSpPr txBox="1"/>
+          <p:nvPr/>
+        </p:nvSpPr>
+        <p:spPr>
+          <a:xfrm>
+            <a:off x="0" y="5157193"/>
+            <a:ext cx="12192000" cy="584775"/>
+          </a:xfrm>
+          <a:prstGeom prst="rect">
+            <a:avLst/>
+          </a:prstGeom>
+          <a:noFill/>
+        </p:spPr>
+        <p:txBody>
+          <a:bodyPr wrap="square" rtlCol="0">
+            <a:spAutoFit/>
+          </a:bodyPr>
+          <a:lstStyle/>
+          <a:p>
+            <a:pPr algn="ctr"/>
+            <a:r>
+              <a:rPr lang="en-US" sz="3200" b="1" dirty="0">
+                <a:solidFill>
+                  <a:srgbClr val="000066"/>
+                </a:solidFill>
+                <a:ea typeface="Microsoft JhengHei" panose="020B0604030504040204" pitchFamily="34" charset="-120"/>
+              </a:rPr>
+              <a:t>( </a:t>
+            </a:r>
+            <a:r>
+              <a:rPr lang="en-US" altLang="zh-CN" sz="3200" b="1" dirty="0">
+                <a:solidFill>
+                  <a:srgbClr val="000066"/>
+                </a:solidFill>
+                <a:ea typeface="Microsoft JhengHei" panose="020B0604030504040204" pitchFamily="34" charset="-120"/>
+              </a:rPr>
+              <a:t>4 / 4</a:t>
+            </a:r>
+            <a:r>
+              <a:rPr lang="en-US" sz="3200" b="1" dirty="0">
+                <a:solidFill>
+                  <a:srgbClr val="000066"/>
+                </a:solidFill>
+                <a:ea typeface="Microsoft JhengHei" panose="020B0604030504040204" pitchFamily="34" charset="-120"/>
+              </a:rPr>
+              <a:t> )</a:t>
+            </a:r>
+            <a:endParaRPr lang="vi-VN" sz="3200" b="1" dirty="0">
+              <a:solidFill>
+                <a:srgbClr val="000066"/>
+              </a:solidFill>
+              <a:ea typeface="Microsoft JhengHei" panose="020B0604030504040204" pitchFamily="34" charset="-120"/>
+            </a:endParaRPr>
+          </a:p>
+        </p:txBody>
+      </p:sp>
+    </p:spTree>
+    <p:extLst>
+      <p:ext uri="{BB962C8B-B14F-4D97-AF65-F5344CB8AC3E}">
+        <p14:creationId xmlns:p14="http://schemas.microsoft.com/office/powerpoint/2010/main" val="2908044735"/>
+      </p:ext>
+    </p:extLst>
+  </p:cSld>
+  <p:clrMapOvr>
+    <a:masterClrMapping/>
+  </p:clrMapOvr>
+</p:sld>
+</file>
+
+<file path=ppt/slides/slide9.xml><?xml version="1.0" encoding="utf-8"?>
+<p:sld xmlns:a="http://schemas.openxmlformats.org/drawingml/2006/main" xmlns:r="http://schemas.openxmlformats.org/officeDocument/2006/relationships" xmlns:p="http://schemas.openxmlformats.org/presentationml/2006/main">
+  <p:cSld>
+    <p:spTree>
+      <p:nvGrpSpPr>
+        <p:cNvPr id="1" name=""/>
+        <p:cNvGrpSpPr/>
+        <p:nvPr/>
+      </p:nvGrpSpPr>
+      <p:grpSpPr>
+        <a:xfrm>
+          <a:off x="0" y="0"/>
+          <a:ext cx="0" cy="0"/>
+          <a:chOff x="0" y="0"/>
+          <a:chExt cx="0" cy="0"/>
+        </a:xfrm>
+      </p:grpSpPr>
+      <p:sp>
+        <p:nvSpPr>
+          <p:cNvPr id="5" name="內容版面配置區 4"/>
+          <p:cNvSpPr>
+            <a:spLocks noGrp="1"/>
+          </p:cNvSpPr>
+          <p:nvPr>
+            <p:ph idx="1"/>
+          </p:nvPr>
+        </p:nvSpPr>
+        <p:spPr>
+          <a:xfrm>
+            <a:off x="0" y="2084851"/>
+            <a:ext cx="12192000" cy="2404863"/>
+          </a:xfrm>
+        </p:spPr>
+        <p:txBody>
+          <a:bodyPr anchor="ctr">
+            <a:normAutofit/>
+          </a:bodyPr>
+          <a:lstStyle/>
+          <a:p>
+            <a:pPr algn="ctr">
+              <a:buNone/>
+            </a:pPr>
+            <a:r>
+              <a:rPr lang="zh-TW" altLang="en-US" sz="6400" b="1" dirty="0">
+                <a:solidFill>
+                  <a:srgbClr val="000066"/>
+                </a:solidFill>
+                <a:latin typeface="微軟正黑體" pitchFamily="34" charset="-120"/>
+                <a:ea typeface="微軟正黑體" pitchFamily="34" charset="-120"/>
+              </a:rPr>
+              <a:t>好像最初蒙恩景況</a:t>
+            </a:r>
+            <a:endParaRPr lang="en-US" altLang="zh-TW" sz="6400" b="1" dirty="0">
+              <a:solidFill>
+                <a:srgbClr val="000066"/>
+              </a:solidFill>
+              <a:latin typeface="微軟正黑體" pitchFamily="34" charset="-120"/>
+              <a:ea typeface="微軟正黑體" pitchFamily="34" charset="-120"/>
+            </a:endParaRPr>
+          </a:p>
+          <a:p>
+            <a:pPr algn="ctr">
+              <a:buNone/>
+            </a:pPr>
+            <a:r>
+              <a:rPr lang="zh-TW" altLang="en-US" sz="6400" b="1" dirty="0">
+                <a:solidFill>
+                  <a:srgbClr val="000066"/>
+                </a:solidFill>
+                <a:latin typeface="微軟正黑體" pitchFamily="34" charset="-120"/>
+                <a:ea typeface="微軟正黑體" pitchFamily="34" charset="-120"/>
+              </a:rPr>
+              <a:t>讚美永不減少</a:t>
+            </a:r>
+          </a:p>
+        </p:txBody>
+      </p:sp>
+      <p:sp>
+        <p:nvSpPr>
+          <p:cNvPr id="3" name="TextBox 2"/>
+          <p:cNvSpPr txBox="1"/>
+          <p:nvPr/>
+        </p:nvSpPr>
+        <p:spPr>
+          <a:xfrm>
+            <a:off x="0" y="5157193"/>
+            <a:ext cx="12192000" cy="584775"/>
+          </a:xfrm>
+          <a:prstGeom prst="rect">
+            <a:avLst/>
+          </a:prstGeom>
+          <a:noFill/>
+        </p:spPr>
+        <p:txBody>
+          <a:bodyPr wrap="square" rtlCol="0">
+            <a:spAutoFit/>
+          </a:bodyPr>
+          <a:lstStyle/>
+          <a:p>
+            <a:pPr algn="ctr"/>
+            <a:r>
+              <a:rPr lang="en-US" sz="3200" b="1" dirty="0">
+                <a:solidFill>
+                  <a:srgbClr val="000066"/>
+                </a:solidFill>
+                <a:ea typeface="Microsoft JhengHei" panose="020B0604030504040204" pitchFamily="34" charset="-120"/>
+              </a:rPr>
+              <a:t>( </a:t>
+            </a:r>
+            <a:r>
+              <a:rPr lang="en-US" altLang="zh-CN" sz="3200" b="1" dirty="0">
+                <a:solidFill>
+                  <a:srgbClr val="000066"/>
+                </a:solidFill>
+                <a:ea typeface="Microsoft JhengHei" panose="020B0604030504040204" pitchFamily="34" charset="-120"/>
+              </a:rPr>
+              <a:t>4 / 4</a:t>
+            </a:r>
+            <a:r>
+              <a:rPr lang="en-US" sz="3200" b="1" dirty="0">
+                <a:solidFill>
+                  <a:srgbClr val="000066"/>
+                </a:solidFill>
+                <a:ea typeface="Microsoft JhengHei" panose="020B0604030504040204" pitchFamily="34" charset="-120"/>
+              </a:rPr>
+              <a:t> )</a:t>
+            </a:r>
+            <a:endParaRPr lang="vi-VN" sz="3200" b="1" dirty="0">
+              <a:solidFill>
+                <a:srgbClr val="000066"/>
+              </a:solidFill>
+              <a:ea typeface="Microsoft JhengHei" panose="020B0604030504040204" pitchFamily="34" charset="-120"/>
+            </a:endParaRPr>
+          </a:p>
+        </p:txBody>
+      </p:sp>
+    </p:spTree>
+    <p:extLst>
+      <p:ext uri="{BB962C8B-B14F-4D97-AF65-F5344CB8AC3E}">
+        <p14:creationId xmlns:p14="http://schemas.microsoft.com/office/powerpoint/2010/main" val="4159750094"/>
+      </p:ext>
+    </p:extLst>
   </p:cSld>
   <p:clrMapOvr>
     <a:masterClrMapping/>
